--- a/R/Unit-3/Unit-3 R Programming.pptx
+++ b/R/Unit-3/Unit-3 R Programming.pptx
@@ -5,7 +5,7 @@
     <p:sldMasterId id="2147483659" r:id="rId1"/>
   </p:sldMasterIdLst>
   <p:notesMasterIdLst>
-    <p:notesMasterId r:id="rId48"/>
+    <p:notesMasterId r:id="rId53"/>
   </p:notesMasterIdLst>
   <p:sldIdLst>
     <p:sldId id="256" r:id="rId2"/>
@@ -54,6 +54,11 @@
     <p:sldId id="313" r:id="rId45"/>
     <p:sldId id="294" r:id="rId46"/>
     <p:sldId id="314" r:id="rId47"/>
+    <p:sldId id="315" r:id="rId48"/>
+    <p:sldId id="316" r:id="rId49"/>
+    <p:sldId id="317" r:id="rId50"/>
+    <p:sldId id="318" r:id="rId51"/>
+    <p:sldId id="319" r:id="rId52"/>
   </p:sldIdLst>
   <p:sldSz cx="9144000" cy="6858000" type="screen4x3"/>
   <p:notesSz cx="9144000" cy="6858000"/>
@@ -318,7 +323,7 @@
   <pc:docChgLst>
     <pc:chgData name="Velani, Ankitkumar" userId="039f6639-35cd-4471-8ac8-1e78077ab1db" providerId="ADAL" clId="{84352D96-93B9-4F72-AE8C-18860CDEFF5B}"/>
     <pc:docChg chg="undo custSel addSld delSld modSld sldOrd modNotesMaster">
-      <pc:chgData name="Velani, Ankitkumar" userId="039f6639-35cd-4471-8ac8-1e78077ab1db" providerId="ADAL" clId="{84352D96-93B9-4F72-AE8C-18860CDEFF5B}" dt="2022-07-14T16:03:33.088" v="11912" actId="20577"/>
+      <pc:chgData name="Velani, Ankitkumar" userId="039f6639-35cd-4471-8ac8-1e78077ab1db" providerId="ADAL" clId="{84352D96-93B9-4F72-AE8C-18860CDEFF5B}" dt="2022-07-15T02:44:11.682" v="14517"/>
       <pc:docMkLst>
         <pc:docMk/>
       </pc:docMkLst>
@@ -1978,6 +1983,89 @@
           </ac:spMkLst>
         </pc:spChg>
       </pc:sldChg>
+      <pc:sldChg chg="modSp add mod">
+        <pc:chgData name="Velani, Ankitkumar" userId="039f6639-35cd-4471-8ac8-1e78077ab1db" providerId="ADAL" clId="{84352D96-93B9-4F72-AE8C-18860CDEFF5B}" dt="2022-07-15T02:28:38.034" v="12795" actId="20577"/>
+        <pc:sldMkLst>
+          <pc:docMk/>
+          <pc:sldMk cId="1220571586" sldId="315"/>
+        </pc:sldMkLst>
+        <pc:spChg chg="mod">
+          <ac:chgData name="Velani, Ankitkumar" userId="039f6639-35cd-4471-8ac8-1e78077ab1db" providerId="ADAL" clId="{84352D96-93B9-4F72-AE8C-18860CDEFF5B}" dt="2022-07-15T02:20:53.298" v="11941" actId="20577"/>
+          <ac:spMkLst>
+            <pc:docMk/>
+            <pc:sldMk cId="1220571586" sldId="315"/>
+            <ac:spMk id="108" creationId="{00000000-0000-0000-0000-000000000000}"/>
+          </ac:spMkLst>
+        </pc:spChg>
+        <pc:spChg chg="mod">
+          <ac:chgData name="Velani, Ankitkumar" userId="039f6639-35cd-4471-8ac8-1e78077ab1db" providerId="ADAL" clId="{84352D96-93B9-4F72-AE8C-18860CDEFF5B}" dt="2022-07-15T02:28:38.034" v="12795" actId="20577"/>
+          <ac:spMkLst>
+            <pc:docMk/>
+            <pc:sldMk cId="1220571586" sldId="315"/>
+            <ac:spMk id="109" creationId="{00000000-0000-0000-0000-000000000000}"/>
+          </ac:spMkLst>
+        </pc:spChg>
+      </pc:sldChg>
+      <pc:sldChg chg="modSp add mod">
+        <pc:chgData name="Velani, Ankitkumar" userId="039f6639-35cd-4471-8ac8-1e78077ab1db" providerId="ADAL" clId="{84352D96-93B9-4F72-AE8C-18860CDEFF5B}" dt="2022-07-15T02:37:24.102" v="13828" actId="20577"/>
+        <pc:sldMkLst>
+          <pc:docMk/>
+          <pc:sldMk cId="1006699271" sldId="316"/>
+        </pc:sldMkLst>
+        <pc:spChg chg="mod">
+          <ac:chgData name="Velani, Ankitkumar" userId="039f6639-35cd-4471-8ac8-1e78077ab1db" providerId="ADAL" clId="{84352D96-93B9-4F72-AE8C-18860CDEFF5B}" dt="2022-07-15T02:37:24.102" v="13828" actId="20577"/>
+          <ac:spMkLst>
+            <pc:docMk/>
+            <pc:sldMk cId="1006699271" sldId="316"/>
+            <ac:spMk id="109" creationId="{00000000-0000-0000-0000-000000000000}"/>
+          </ac:spMkLst>
+        </pc:spChg>
+      </pc:sldChg>
+      <pc:sldChg chg="modSp add mod">
+        <pc:chgData name="Velani, Ankitkumar" userId="039f6639-35cd-4471-8ac8-1e78077ab1db" providerId="ADAL" clId="{84352D96-93B9-4F72-AE8C-18860CDEFF5B}" dt="2022-07-15T02:37:11.699" v="13825" actId="113"/>
+        <pc:sldMkLst>
+          <pc:docMk/>
+          <pc:sldMk cId="3804771162" sldId="317"/>
+        </pc:sldMkLst>
+        <pc:spChg chg="mod">
+          <ac:chgData name="Velani, Ankitkumar" userId="039f6639-35cd-4471-8ac8-1e78077ab1db" providerId="ADAL" clId="{84352D96-93B9-4F72-AE8C-18860CDEFF5B}" dt="2022-07-15T02:37:11.699" v="13825" actId="113"/>
+          <ac:spMkLst>
+            <pc:docMk/>
+            <pc:sldMk cId="3804771162" sldId="317"/>
+            <ac:spMk id="109" creationId="{00000000-0000-0000-0000-000000000000}"/>
+          </ac:spMkLst>
+        </pc:spChg>
+      </pc:sldChg>
+      <pc:sldChg chg="modSp add mod">
+        <pc:chgData name="Velani, Ankitkumar" userId="039f6639-35cd-4471-8ac8-1e78077ab1db" providerId="ADAL" clId="{84352D96-93B9-4F72-AE8C-18860CDEFF5B}" dt="2022-07-15T02:40:08.749" v="14051" actId="20577"/>
+        <pc:sldMkLst>
+          <pc:docMk/>
+          <pc:sldMk cId="882034974" sldId="318"/>
+        </pc:sldMkLst>
+        <pc:spChg chg="mod">
+          <ac:chgData name="Velani, Ankitkumar" userId="039f6639-35cd-4471-8ac8-1e78077ab1db" providerId="ADAL" clId="{84352D96-93B9-4F72-AE8C-18860CDEFF5B}" dt="2022-07-15T02:40:08.749" v="14051" actId="20577"/>
+          <ac:spMkLst>
+            <pc:docMk/>
+            <pc:sldMk cId="882034974" sldId="318"/>
+            <ac:spMk id="109" creationId="{00000000-0000-0000-0000-000000000000}"/>
+          </ac:spMkLst>
+        </pc:spChg>
+      </pc:sldChg>
+      <pc:sldChg chg="modSp add mod">
+        <pc:chgData name="Velani, Ankitkumar" userId="039f6639-35cd-4471-8ac8-1e78077ab1db" providerId="ADAL" clId="{84352D96-93B9-4F72-AE8C-18860CDEFF5B}" dt="2022-07-15T02:44:11.682" v="14517"/>
+        <pc:sldMkLst>
+          <pc:docMk/>
+          <pc:sldMk cId="2257831915" sldId="319"/>
+        </pc:sldMkLst>
+        <pc:spChg chg="mod">
+          <ac:chgData name="Velani, Ankitkumar" userId="039f6639-35cd-4471-8ac8-1e78077ab1db" providerId="ADAL" clId="{84352D96-93B9-4F72-AE8C-18860CDEFF5B}" dt="2022-07-15T02:44:11.682" v="14517"/>
+          <ac:spMkLst>
+            <pc:docMk/>
+            <pc:sldMk cId="2257831915" sldId="319"/>
+            <ac:spMk id="109" creationId="{00000000-0000-0000-0000-000000000000}"/>
+          </ac:spMkLst>
+        </pc:spChg>
+      </pc:sldChg>
     </pc:docChg>
   </pc:docChgLst>
 </pc:chgInfo>
@@ -7521,7 +7609,7 @@
 </p:notes>
 </file>
 
-<file path=ppt/notesSlides/notesSlide5.xml><?xml version="1.0" encoding="utf-8"?>
+<file path=ppt/notesSlides/notesSlide46.xml><?xml version="1.0" encoding="utf-8"?>
 <p:notes xmlns:a="http://schemas.openxmlformats.org/drawingml/2006/main" xmlns:r="http://schemas.openxmlformats.org/officeDocument/2006/relationships" xmlns:p="http://schemas.openxmlformats.org/presentationml/2006/main" showMasterSp="0" showMasterPhAnim="0">
   <p:cSld>
     <p:spTree>
@@ -7620,7 +7708,552 @@
     </p:spTree>
     <p:extLst>
       <p:ext uri="{BB962C8B-B14F-4D97-AF65-F5344CB8AC3E}">
+        <p14:creationId xmlns:p14="http://schemas.microsoft.com/office/powerpoint/2010/main" val="140229237"/>
+      </p:ext>
+    </p:extLst>
+  </p:cSld>
+  <p:clrMapOvr>
+    <a:masterClrMapping/>
+  </p:clrMapOvr>
+</p:notes>
+</file>
+
+<file path=ppt/notesSlides/notesSlide47.xml><?xml version="1.0" encoding="utf-8"?>
+<p:notes xmlns:a="http://schemas.openxmlformats.org/drawingml/2006/main" xmlns:r="http://schemas.openxmlformats.org/officeDocument/2006/relationships" xmlns:p="http://schemas.openxmlformats.org/presentationml/2006/main" showMasterSp="0" showMasterPhAnim="0">
+  <p:cSld>
+    <p:spTree>
+      <p:nvGrpSpPr>
+        <p:cNvPr id="1" name="Shape 101"/>
+        <p:cNvGrpSpPr/>
+        <p:nvPr/>
+      </p:nvGrpSpPr>
+      <p:grpSpPr>
+        <a:xfrm>
+          <a:off x="0" y="0"/>
+          <a:ext cx="0" cy="0"/>
+          <a:chOff x="0" y="0"/>
+          <a:chExt cx="0" cy="0"/>
+        </a:xfrm>
+      </p:grpSpPr>
+      <p:sp>
+        <p:nvSpPr>
+          <p:cNvPr id="102" name="Google Shape;102;p3:notes"/>
+          <p:cNvSpPr txBox="1">
+            <a:spLocks noGrp="1"/>
+          </p:cNvSpPr>
+          <p:nvPr>
+            <p:ph type="body" idx="1"/>
+          </p:nvPr>
+        </p:nvSpPr>
+        <p:spPr>
+          <a:xfrm>
+            <a:off x="914400" y="3257550"/>
+            <a:ext cx="7315200" cy="3086100"/>
+          </a:xfrm>
+          <a:prstGeom prst="rect">
+            <a:avLst/>
+          </a:prstGeom>
+        </p:spPr>
+        <p:txBody>
+          <a:bodyPr spcFirstLastPara="1" wrap="square" lIns="91425" tIns="45700" rIns="91425" bIns="45700" anchor="t" anchorCtr="0">
+            <a:noAutofit/>
+          </a:bodyPr>
+          <a:lstStyle/>
+          <a:p>
+            <a:pPr marL="0" lvl="0" indent="0" algn="l" rtl="0">
+              <a:spcBef>
+                <a:spcPts val="360"/>
+              </a:spcBef>
+              <a:spcAft>
+                <a:spcPts val="0"/>
+              </a:spcAft>
+              <a:buNone/>
+            </a:pPr>
+            <a:endParaRPr/>
+          </a:p>
+        </p:txBody>
+      </p:sp>
+      <p:sp>
+        <p:nvSpPr>
+          <p:cNvPr id="103" name="Google Shape;103;p3:notes"/>
+          <p:cNvSpPr>
+            <a:spLocks noGrp="1" noRot="1" noChangeAspect="1"/>
+          </p:cNvSpPr>
+          <p:nvPr>
+            <p:ph type="sldImg" idx="2"/>
+          </p:nvPr>
+        </p:nvSpPr>
+        <p:spPr>
+          <a:xfrm>
+            <a:off x="2857500" y="514350"/>
+            <a:ext cx="3429000" cy="2571750"/>
+          </a:xfrm>
+          <a:custGeom>
+            <a:avLst/>
+            <a:gdLst/>
+            <a:ahLst/>
+            <a:cxnLst/>
+            <a:rect l="l" t="t" r="r" b="b"/>
+            <a:pathLst>
+              <a:path w="120000" h="120000" extrusionOk="0">
+                <a:moveTo>
+                  <a:pt x="0" y="0"/>
+                </a:moveTo>
+                <a:lnTo>
+                  <a:pt x="120000" y="0"/>
+                </a:lnTo>
+                <a:lnTo>
+                  <a:pt x="120000" y="120000"/>
+                </a:lnTo>
+                <a:lnTo>
+                  <a:pt x="0" y="120000"/>
+                </a:lnTo>
+                <a:close/>
+              </a:path>
+            </a:pathLst>
+          </a:custGeom>
+        </p:spPr>
+      </p:sp>
+    </p:spTree>
+    <p:extLst>
+      <p:ext uri="{BB962C8B-B14F-4D97-AF65-F5344CB8AC3E}">
+        <p14:creationId xmlns:p14="http://schemas.microsoft.com/office/powerpoint/2010/main" val="52653104"/>
+      </p:ext>
+    </p:extLst>
+  </p:cSld>
+  <p:clrMapOvr>
+    <a:masterClrMapping/>
+  </p:clrMapOvr>
+</p:notes>
+</file>
+
+<file path=ppt/notesSlides/notesSlide48.xml><?xml version="1.0" encoding="utf-8"?>
+<p:notes xmlns:a="http://schemas.openxmlformats.org/drawingml/2006/main" xmlns:r="http://schemas.openxmlformats.org/officeDocument/2006/relationships" xmlns:p="http://schemas.openxmlformats.org/presentationml/2006/main" showMasterSp="0" showMasterPhAnim="0">
+  <p:cSld>
+    <p:spTree>
+      <p:nvGrpSpPr>
+        <p:cNvPr id="1" name="Shape 101"/>
+        <p:cNvGrpSpPr/>
+        <p:nvPr/>
+      </p:nvGrpSpPr>
+      <p:grpSpPr>
+        <a:xfrm>
+          <a:off x="0" y="0"/>
+          <a:ext cx="0" cy="0"/>
+          <a:chOff x="0" y="0"/>
+          <a:chExt cx="0" cy="0"/>
+        </a:xfrm>
+      </p:grpSpPr>
+      <p:sp>
+        <p:nvSpPr>
+          <p:cNvPr id="102" name="Google Shape;102;p3:notes"/>
+          <p:cNvSpPr txBox="1">
+            <a:spLocks noGrp="1"/>
+          </p:cNvSpPr>
+          <p:nvPr>
+            <p:ph type="body" idx="1"/>
+          </p:nvPr>
+        </p:nvSpPr>
+        <p:spPr>
+          <a:xfrm>
+            <a:off x="914400" y="3257550"/>
+            <a:ext cx="7315200" cy="3086100"/>
+          </a:xfrm>
+          <a:prstGeom prst="rect">
+            <a:avLst/>
+          </a:prstGeom>
+        </p:spPr>
+        <p:txBody>
+          <a:bodyPr spcFirstLastPara="1" wrap="square" lIns="91425" tIns="45700" rIns="91425" bIns="45700" anchor="t" anchorCtr="0">
+            <a:noAutofit/>
+          </a:bodyPr>
+          <a:lstStyle/>
+          <a:p>
+            <a:pPr marL="0" lvl="0" indent="0" algn="l" rtl="0">
+              <a:spcBef>
+                <a:spcPts val="360"/>
+              </a:spcBef>
+              <a:spcAft>
+                <a:spcPts val="0"/>
+              </a:spcAft>
+              <a:buNone/>
+            </a:pPr>
+            <a:endParaRPr/>
+          </a:p>
+        </p:txBody>
+      </p:sp>
+      <p:sp>
+        <p:nvSpPr>
+          <p:cNvPr id="103" name="Google Shape;103;p3:notes"/>
+          <p:cNvSpPr>
+            <a:spLocks noGrp="1" noRot="1" noChangeAspect="1"/>
+          </p:cNvSpPr>
+          <p:nvPr>
+            <p:ph type="sldImg" idx="2"/>
+          </p:nvPr>
+        </p:nvSpPr>
+        <p:spPr>
+          <a:xfrm>
+            <a:off x="2857500" y="514350"/>
+            <a:ext cx="3429000" cy="2571750"/>
+          </a:xfrm>
+          <a:custGeom>
+            <a:avLst/>
+            <a:gdLst/>
+            <a:ahLst/>
+            <a:cxnLst/>
+            <a:rect l="l" t="t" r="r" b="b"/>
+            <a:pathLst>
+              <a:path w="120000" h="120000" extrusionOk="0">
+                <a:moveTo>
+                  <a:pt x="0" y="0"/>
+                </a:moveTo>
+                <a:lnTo>
+                  <a:pt x="120000" y="0"/>
+                </a:lnTo>
+                <a:lnTo>
+                  <a:pt x="120000" y="120000"/>
+                </a:lnTo>
+                <a:lnTo>
+                  <a:pt x="0" y="120000"/>
+                </a:lnTo>
+                <a:close/>
+              </a:path>
+            </a:pathLst>
+          </a:custGeom>
+        </p:spPr>
+      </p:sp>
+    </p:spTree>
+    <p:extLst>
+      <p:ext uri="{BB962C8B-B14F-4D97-AF65-F5344CB8AC3E}">
+        <p14:creationId xmlns:p14="http://schemas.microsoft.com/office/powerpoint/2010/main" val="1120252335"/>
+      </p:ext>
+    </p:extLst>
+  </p:cSld>
+  <p:clrMapOvr>
+    <a:masterClrMapping/>
+  </p:clrMapOvr>
+</p:notes>
+</file>
+
+<file path=ppt/notesSlides/notesSlide49.xml><?xml version="1.0" encoding="utf-8"?>
+<p:notes xmlns:a="http://schemas.openxmlformats.org/drawingml/2006/main" xmlns:r="http://schemas.openxmlformats.org/officeDocument/2006/relationships" xmlns:p="http://schemas.openxmlformats.org/presentationml/2006/main" showMasterSp="0" showMasterPhAnim="0">
+  <p:cSld>
+    <p:spTree>
+      <p:nvGrpSpPr>
+        <p:cNvPr id="1" name="Shape 101"/>
+        <p:cNvGrpSpPr/>
+        <p:nvPr/>
+      </p:nvGrpSpPr>
+      <p:grpSpPr>
+        <a:xfrm>
+          <a:off x="0" y="0"/>
+          <a:ext cx="0" cy="0"/>
+          <a:chOff x="0" y="0"/>
+          <a:chExt cx="0" cy="0"/>
+        </a:xfrm>
+      </p:grpSpPr>
+      <p:sp>
+        <p:nvSpPr>
+          <p:cNvPr id="102" name="Google Shape;102;p3:notes"/>
+          <p:cNvSpPr txBox="1">
+            <a:spLocks noGrp="1"/>
+          </p:cNvSpPr>
+          <p:nvPr>
+            <p:ph type="body" idx="1"/>
+          </p:nvPr>
+        </p:nvSpPr>
+        <p:spPr>
+          <a:xfrm>
+            <a:off x="914400" y="3257550"/>
+            <a:ext cx="7315200" cy="3086100"/>
+          </a:xfrm>
+          <a:prstGeom prst="rect">
+            <a:avLst/>
+          </a:prstGeom>
+        </p:spPr>
+        <p:txBody>
+          <a:bodyPr spcFirstLastPara="1" wrap="square" lIns="91425" tIns="45700" rIns="91425" bIns="45700" anchor="t" anchorCtr="0">
+            <a:noAutofit/>
+          </a:bodyPr>
+          <a:lstStyle/>
+          <a:p>
+            <a:pPr marL="0" lvl="0" indent="0" algn="l" rtl="0">
+              <a:spcBef>
+                <a:spcPts val="360"/>
+              </a:spcBef>
+              <a:spcAft>
+                <a:spcPts val="0"/>
+              </a:spcAft>
+              <a:buNone/>
+            </a:pPr>
+            <a:endParaRPr/>
+          </a:p>
+        </p:txBody>
+      </p:sp>
+      <p:sp>
+        <p:nvSpPr>
+          <p:cNvPr id="103" name="Google Shape;103;p3:notes"/>
+          <p:cNvSpPr>
+            <a:spLocks noGrp="1" noRot="1" noChangeAspect="1"/>
+          </p:cNvSpPr>
+          <p:nvPr>
+            <p:ph type="sldImg" idx="2"/>
+          </p:nvPr>
+        </p:nvSpPr>
+        <p:spPr>
+          <a:xfrm>
+            <a:off x="2857500" y="514350"/>
+            <a:ext cx="3429000" cy="2571750"/>
+          </a:xfrm>
+          <a:custGeom>
+            <a:avLst/>
+            <a:gdLst/>
+            <a:ahLst/>
+            <a:cxnLst/>
+            <a:rect l="l" t="t" r="r" b="b"/>
+            <a:pathLst>
+              <a:path w="120000" h="120000" extrusionOk="0">
+                <a:moveTo>
+                  <a:pt x="0" y="0"/>
+                </a:moveTo>
+                <a:lnTo>
+                  <a:pt x="120000" y="0"/>
+                </a:lnTo>
+                <a:lnTo>
+                  <a:pt x="120000" y="120000"/>
+                </a:lnTo>
+                <a:lnTo>
+                  <a:pt x="0" y="120000"/>
+                </a:lnTo>
+                <a:close/>
+              </a:path>
+            </a:pathLst>
+          </a:custGeom>
+        </p:spPr>
+      </p:sp>
+    </p:spTree>
+    <p:extLst>
+      <p:ext uri="{BB962C8B-B14F-4D97-AF65-F5344CB8AC3E}">
+        <p14:creationId xmlns:p14="http://schemas.microsoft.com/office/powerpoint/2010/main" val="2693463419"/>
+      </p:ext>
+    </p:extLst>
+  </p:cSld>
+  <p:clrMapOvr>
+    <a:masterClrMapping/>
+  </p:clrMapOvr>
+</p:notes>
+</file>
+
+<file path=ppt/notesSlides/notesSlide5.xml><?xml version="1.0" encoding="utf-8"?>
+<p:notes xmlns:a="http://schemas.openxmlformats.org/drawingml/2006/main" xmlns:r="http://schemas.openxmlformats.org/officeDocument/2006/relationships" xmlns:p="http://schemas.openxmlformats.org/presentationml/2006/main" showMasterSp="0" showMasterPhAnim="0">
+  <p:cSld>
+    <p:spTree>
+      <p:nvGrpSpPr>
+        <p:cNvPr id="1" name="Shape 101"/>
+        <p:cNvGrpSpPr/>
+        <p:nvPr/>
+      </p:nvGrpSpPr>
+      <p:grpSpPr>
+        <a:xfrm>
+          <a:off x="0" y="0"/>
+          <a:ext cx="0" cy="0"/>
+          <a:chOff x="0" y="0"/>
+          <a:chExt cx="0" cy="0"/>
+        </a:xfrm>
+      </p:grpSpPr>
+      <p:sp>
+        <p:nvSpPr>
+          <p:cNvPr id="102" name="Google Shape;102;p3:notes"/>
+          <p:cNvSpPr txBox="1">
+            <a:spLocks noGrp="1"/>
+          </p:cNvSpPr>
+          <p:nvPr>
+            <p:ph type="body" idx="1"/>
+          </p:nvPr>
+        </p:nvSpPr>
+        <p:spPr>
+          <a:xfrm>
+            <a:off x="914400" y="3257550"/>
+            <a:ext cx="7315200" cy="3086100"/>
+          </a:xfrm>
+          <a:prstGeom prst="rect">
+            <a:avLst/>
+          </a:prstGeom>
+        </p:spPr>
+        <p:txBody>
+          <a:bodyPr spcFirstLastPara="1" wrap="square" lIns="91425" tIns="45700" rIns="91425" bIns="45700" anchor="t" anchorCtr="0">
+            <a:noAutofit/>
+          </a:bodyPr>
+          <a:lstStyle/>
+          <a:p>
+            <a:pPr marL="0" lvl="0" indent="0" algn="l" rtl="0">
+              <a:spcBef>
+                <a:spcPts val="360"/>
+              </a:spcBef>
+              <a:spcAft>
+                <a:spcPts val="0"/>
+              </a:spcAft>
+              <a:buNone/>
+            </a:pPr>
+            <a:endParaRPr/>
+          </a:p>
+        </p:txBody>
+      </p:sp>
+      <p:sp>
+        <p:nvSpPr>
+          <p:cNvPr id="103" name="Google Shape;103;p3:notes"/>
+          <p:cNvSpPr>
+            <a:spLocks noGrp="1" noRot="1" noChangeAspect="1"/>
+          </p:cNvSpPr>
+          <p:nvPr>
+            <p:ph type="sldImg" idx="2"/>
+          </p:nvPr>
+        </p:nvSpPr>
+        <p:spPr>
+          <a:xfrm>
+            <a:off x="2857500" y="514350"/>
+            <a:ext cx="3429000" cy="2571750"/>
+          </a:xfrm>
+          <a:custGeom>
+            <a:avLst/>
+            <a:gdLst/>
+            <a:ahLst/>
+            <a:cxnLst/>
+            <a:rect l="l" t="t" r="r" b="b"/>
+            <a:pathLst>
+              <a:path w="120000" h="120000" extrusionOk="0">
+                <a:moveTo>
+                  <a:pt x="0" y="0"/>
+                </a:moveTo>
+                <a:lnTo>
+                  <a:pt x="120000" y="0"/>
+                </a:lnTo>
+                <a:lnTo>
+                  <a:pt x="120000" y="120000"/>
+                </a:lnTo>
+                <a:lnTo>
+                  <a:pt x="0" y="120000"/>
+                </a:lnTo>
+                <a:close/>
+              </a:path>
+            </a:pathLst>
+          </a:custGeom>
+        </p:spPr>
+      </p:sp>
+    </p:spTree>
+    <p:extLst>
+      <p:ext uri="{BB962C8B-B14F-4D97-AF65-F5344CB8AC3E}">
         <p14:creationId xmlns:p14="http://schemas.microsoft.com/office/powerpoint/2010/main" val="3371831632"/>
+      </p:ext>
+    </p:extLst>
+  </p:cSld>
+  <p:clrMapOvr>
+    <a:masterClrMapping/>
+  </p:clrMapOvr>
+</p:notes>
+</file>
+
+<file path=ppt/notesSlides/notesSlide50.xml><?xml version="1.0" encoding="utf-8"?>
+<p:notes xmlns:a="http://schemas.openxmlformats.org/drawingml/2006/main" xmlns:r="http://schemas.openxmlformats.org/officeDocument/2006/relationships" xmlns:p="http://schemas.openxmlformats.org/presentationml/2006/main" showMasterSp="0" showMasterPhAnim="0">
+  <p:cSld>
+    <p:spTree>
+      <p:nvGrpSpPr>
+        <p:cNvPr id="1" name="Shape 101"/>
+        <p:cNvGrpSpPr/>
+        <p:nvPr/>
+      </p:nvGrpSpPr>
+      <p:grpSpPr>
+        <a:xfrm>
+          <a:off x="0" y="0"/>
+          <a:ext cx="0" cy="0"/>
+          <a:chOff x="0" y="0"/>
+          <a:chExt cx="0" cy="0"/>
+        </a:xfrm>
+      </p:grpSpPr>
+      <p:sp>
+        <p:nvSpPr>
+          <p:cNvPr id="102" name="Google Shape;102;p3:notes"/>
+          <p:cNvSpPr txBox="1">
+            <a:spLocks noGrp="1"/>
+          </p:cNvSpPr>
+          <p:nvPr>
+            <p:ph type="body" idx="1"/>
+          </p:nvPr>
+        </p:nvSpPr>
+        <p:spPr>
+          <a:xfrm>
+            <a:off x="914400" y="3257550"/>
+            <a:ext cx="7315200" cy="3086100"/>
+          </a:xfrm>
+          <a:prstGeom prst="rect">
+            <a:avLst/>
+          </a:prstGeom>
+        </p:spPr>
+        <p:txBody>
+          <a:bodyPr spcFirstLastPara="1" wrap="square" lIns="91425" tIns="45700" rIns="91425" bIns="45700" anchor="t" anchorCtr="0">
+            <a:noAutofit/>
+          </a:bodyPr>
+          <a:lstStyle/>
+          <a:p>
+            <a:pPr marL="0" lvl="0" indent="0" algn="l" rtl="0">
+              <a:spcBef>
+                <a:spcPts val="360"/>
+              </a:spcBef>
+              <a:spcAft>
+                <a:spcPts val="0"/>
+              </a:spcAft>
+              <a:buNone/>
+            </a:pPr>
+            <a:endParaRPr/>
+          </a:p>
+        </p:txBody>
+      </p:sp>
+      <p:sp>
+        <p:nvSpPr>
+          <p:cNvPr id="103" name="Google Shape;103;p3:notes"/>
+          <p:cNvSpPr>
+            <a:spLocks noGrp="1" noRot="1" noChangeAspect="1"/>
+          </p:cNvSpPr>
+          <p:nvPr>
+            <p:ph type="sldImg" idx="2"/>
+          </p:nvPr>
+        </p:nvSpPr>
+        <p:spPr>
+          <a:xfrm>
+            <a:off x="2857500" y="514350"/>
+            <a:ext cx="3429000" cy="2571750"/>
+          </a:xfrm>
+          <a:custGeom>
+            <a:avLst/>
+            <a:gdLst/>
+            <a:ahLst/>
+            <a:cxnLst/>
+            <a:rect l="l" t="t" r="r" b="b"/>
+            <a:pathLst>
+              <a:path w="120000" h="120000" extrusionOk="0">
+                <a:moveTo>
+                  <a:pt x="0" y="0"/>
+                </a:moveTo>
+                <a:lnTo>
+                  <a:pt x="120000" y="0"/>
+                </a:lnTo>
+                <a:lnTo>
+                  <a:pt x="120000" y="120000"/>
+                </a:lnTo>
+                <a:lnTo>
+                  <a:pt x="0" y="120000"/>
+                </a:lnTo>
+                <a:close/>
+              </a:path>
+            </a:pathLst>
+          </a:custGeom>
+        </p:spPr>
+      </p:sp>
+    </p:spTree>
+    <p:extLst>
+      <p:ext uri="{BB962C8B-B14F-4D97-AF65-F5344CB8AC3E}">
+        <p14:creationId xmlns:p14="http://schemas.microsoft.com/office/powerpoint/2010/main" val="1424972538"/>
       </p:ext>
     </p:extLst>
   </p:cSld>
@@ -8516,7 +9149,7 @@
           <a:p>
             <a:fld id="{9C7CBA4D-D1BF-4799-AFB6-DEAFC6EDC389}" type="datetime1">
               <a:rPr lang="en-US" smtClean="0"/>
-              <a:t>7/14/2022</a:t>
+              <a:t>7/15/2022</a:t>
             </a:fld>
             <a:endParaRPr/>
           </a:p>
@@ -9317,7 +9950,7 @@
           <a:p>
             <a:fld id="{D2142BB5-71BA-4403-ACBC-AC0ADABE599D}" type="datetime1">
               <a:rPr lang="en-US" smtClean="0"/>
-              <a:t>7/14/2022</a:t>
+              <a:t>7/15/2022</a:t>
             </a:fld>
             <a:endParaRPr/>
           </a:p>
@@ -10118,7 +10751,7 @@
           <a:p>
             <a:fld id="{E3162F0C-96E0-40FF-9E1B-9D227A4A314C}" type="datetime1">
               <a:rPr lang="en-US" smtClean="0"/>
-              <a:t>7/14/2022</a:t>
+              <a:t>7/15/2022</a:t>
             </a:fld>
             <a:endParaRPr/>
           </a:p>
@@ -10919,7 +11552,7 @@
           <a:p>
             <a:fld id="{0C62BD34-D5E2-4C87-AA2A-F8D5808875C3}" type="datetime1">
               <a:rPr lang="en-US" smtClean="0"/>
-              <a:t>7/14/2022</a:t>
+              <a:t>7/15/2022</a:t>
             </a:fld>
             <a:endParaRPr/>
           </a:p>
@@ -11729,7 +12362,7 @@
           <a:p>
             <a:fld id="{1599DCB5-5EA8-40ED-B6F6-94DEA97C34A4}" type="datetime1">
               <a:rPr lang="en-US" smtClean="0"/>
-              <a:t>7/14/2022</a:t>
+              <a:t>7/15/2022</a:t>
             </a:fld>
             <a:endParaRPr/>
           </a:p>
@@ -12708,7 +13341,7 @@
           <a:p>
             <a:fld id="{52BE42F2-D6E8-4175-AB2C-D0ED52518F51}" type="datetime1">
               <a:rPr lang="en-US" smtClean="0"/>
-              <a:t>7/14/2022</a:t>
+              <a:t>7/15/2022</a:t>
             </a:fld>
             <a:endParaRPr/>
           </a:p>
@@ -14025,7 +14658,7 @@
           <a:p>
             <a:fld id="{8E08C2CB-A4F7-4ED3-B68D-00B974296F17}" type="datetime1">
               <a:rPr lang="en-US" smtClean="0"/>
-              <a:t>7/14/2022</a:t>
+              <a:t>7/15/2022</a:t>
             </a:fld>
             <a:endParaRPr/>
           </a:p>
@@ -14666,7 +15299,7 @@
           <a:p>
             <a:fld id="{215C33B7-3119-4F7E-9A47-39575B828DEA}" type="datetime1">
               <a:rPr lang="en-US" smtClean="0"/>
-              <a:t>7/14/2022</a:t>
+              <a:t>7/15/2022</a:t>
             </a:fld>
             <a:endParaRPr/>
           </a:p>
@@ -15174,7 +15807,7 @@
           <a:p>
             <a:fld id="{06729030-588F-4AB5-8600-A0779876BA82}" type="datetime1">
               <a:rPr lang="en-US" smtClean="0"/>
-              <a:t>7/14/2022</a:t>
+              <a:t>7/15/2022</a:t>
             </a:fld>
             <a:endParaRPr/>
           </a:p>
@@ -16153,7 +16786,7 @@
           <a:p>
             <a:fld id="{6E094DC0-DFD9-4438-AAB3-6F0EAD517DD1}" type="datetime1">
               <a:rPr lang="en-US" smtClean="0"/>
-              <a:t>7/14/2022</a:t>
+              <a:t>7/15/2022</a:t>
             </a:fld>
             <a:endParaRPr/>
           </a:p>
@@ -16987,7 +17620,7 @@
           <a:p>
             <a:fld id="{E9E74B8F-DD15-4D57-890A-1843ABE3D877}" type="datetime1">
               <a:rPr lang="en-US" smtClean="0"/>
-              <a:t>7/14/2022</a:t>
+              <a:t>7/15/2022</a:t>
             </a:fld>
             <a:endParaRPr/>
           </a:p>
@@ -18021,7 +18654,7 @@
           <a:p>
             <a:fld id="{010FDBE2-1077-4F25-BEBD-151DC496D77A}" type="datetime1">
               <a:rPr lang="en-US" smtClean="0"/>
-              <a:t>7/14/2022</a:t>
+              <a:t>7/15/2022</a:t>
             </a:fld>
             <a:endParaRPr/>
           </a:p>
@@ -19498,7 +20131,7 @@
             </a:pPr>
             <a:fld id="{8325990E-89A1-418C-BAD2-0015B9725131}" type="datetime1">
               <a:rPr lang="en-US" smtClean="0"/>
-              <a:t>7/14/2022</a:t>
+              <a:t>7/15/2022</a:t>
             </a:fld>
             <a:endParaRPr/>
           </a:p>
@@ -19850,7 +20483,7 @@
             </a:pPr>
             <a:fld id="{8325990E-89A1-418C-BAD2-0015B9725131}" type="datetime1">
               <a:rPr lang="en-US" smtClean="0"/>
-              <a:t>7/14/2022</a:t>
+              <a:t>7/15/2022</a:t>
             </a:fld>
             <a:endParaRPr/>
           </a:p>
@@ -20222,7 +20855,7 @@
             </a:pPr>
             <a:fld id="{8325990E-89A1-418C-BAD2-0015B9725131}" type="datetime1">
               <a:rPr lang="en-US" smtClean="0"/>
-              <a:t>7/14/2022</a:t>
+              <a:t>7/15/2022</a:t>
             </a:fld>
             <a:endParaRPr/>
           </a:p>
@@ -20760,7 +21393,7 @@
             </a:pPr>
             <a:fld id="{8325990E-89A1-418C-BAD2-0015B9725131}" type="datetime1">
               <a:rPr lang="en-US" smtClean="0"/>
-              <a:t>7/14/2022</a:t>
+              <a:t>7/15/2022</a:t>
             </a:fld>
             <a:endParaRPr/>
           </a:p>
@@ -21104,7 +21737,7 @@
             </a:pPr>
             <a:fld id="{8325990E-89A1-418C-BAD2-0015B9725131}" type="datetime1">
               <a:rPr lang="en-US" smtClean="0"/>
-              <a:t>7/14/2022</a:t>
+              <a:t>7/15/2022</a:t>
             </a:fld>
             <a:endParaRPr/>
           </a:p>
@@ -21507,7 +22140,7 @@
             </a:pPr>
             <a:fld id="{8325990E-89A1-418C-BAD2-0015B9725131}" type="datetime1">
               <a:rPr lang="en-US" smtClean="0"/>
-              <a:t>7/14/2022</a:t>
+              <a:t>7/15/2022</a:t>
             </a:fld>
             <a:endParaRPr/>
           </a:p>
@@ -21835,7 +22468,7 @@
             </a:pPr>
             <a:fld id="{8325990E-89A1-418C-BAD2-0015B9725131}" type="datetime1">
               <a:rPr lang="en-US" smtClean="0"/>
-              <a:t>7/14/2022</a:t>
+              <a:t>7/15/2022</a:t>
             </a:fld>
             <a:endParaRPr/>
           </a:p>
@@ -22165,7 +22798,7 @@
             </a:pPr>
             <a:fld id="{8325990E-89A1-418C-BAD2-0015B9725131}" type="datetime1">
               <a:rPr lang="en-US" smtClean="0"/>
-              <a:t>7/14/2022</a:t>
+              <a:t>7/15/2022</a:t>
             </a:fld>
             <a:endParaRPr/>
           </a:p>
@@ -22527,7 +23160,7 @@
             </a:pPr>
             <a:fld id="{8325990E-89A1-418C-BAD2-0015B9725131}" type="datetime1">
               <a:rPr lang="en-US" smtClean="0"/>
-              <a:t>7/14/2022</a:t>
+              <a:t>7/15/2022</a:t>
             </a:fld>
             <a:endParaRPr/>
           </a:p>
@@ -22979,7 +23612,7 @@
             </a:pPr>
             <a:fld id="{8325990E-89A1-418C-BAD2-0015B9725131}" type="datetime1">
               <a:rPr lang="en-US" smtClean="0"/>
-              <a:t>7/14/2022</a:t>
+              <a:t>7/15/2022</a:t>
             </a:fld>
             <a:endParaRPr/>
           </a:p>
@@ -23333,7 +23966,7 @@
             </a:pPr>
             <a:fld id="{B043858A-016D-46DF-9F6C-759BADD211B1}" type="datetime1">
               <a:rPr lang="en-US" smtClean="0"/>
-              <a:t>7/14/2022</a:t>
+              <a:t>7/15/2022</a:t>
             </a:fld>
             <a:endParaRPr/>
           </a:p>
@@ -23750,7 +24383,7 @@
             </a:pPr>
             <a:fld id="{B043858A-016D-46DF-9F6C-759BADD211B1}" type="datetime1">
               <a:rPr lang="en-US" smtClean="0"/>
-              <a:t>7/14/2022</a:t>
+              <a:t>7/15/2022</a:t>
             </a:fld>
             <a:endParaRPr/>
           </a:p>
@@ -24193,7 +24826,7 @@
             </a:pPr>
             <a:fld id="{8325990E-89A1-418C-BAD2-0015B9725131}" type="datetime1">
               <a:rPr lang="en-US" smtClean="0"/>
-              <a:t>7/14/2022</a:t>
+              <a:t>7/15/2022</a:t>
             </a:fld>
             <a:endParaRPr/>
           </a:p>
@@ -24823,7 +25456,7 @@
                 </a:spcAft>
                 <a:buNone/>
               </a:pPr>
-              <a:t>7/14/2022</a:t>
+              <a:t>7/15/2022</a:t>
             </a:fld>
             <a:endParaRPr lang="en-US" sz="1200" kern="1200">
               <a:solidFill>
@@ -25828,7 +26461,7 @@
             </a:pPr>
             <a:fld id="{8325990E-89A1-418C-BAD2-0015B9725131}" type="datetime1">
               <a:rPr lang="en-US" smtClean="0"/>
-              <a:t>7/14/2022</a:t>
+              <a:t>7/15/2022</a:t>
             </a:fld>
             <a:endParaRPr/>
           </a:p>
@@ -26413,7 +27046,7 @@
             </a:pPr>
             <a:fld id="{8325990E-89A1-418C-BAD2-0015B9725131}" type="datetime1">
               <a:rPr lang="en-US" smtClean="0"/>
-              <a:t>7/14/2022</a:t>
+              <a:t>7/15/2022</a:t>
             </a:fld>
             <a:endParaRPr/>
           </a:p>
@@ -27024,7 +27657,7 @@
             </a:pPr>
             <a:fld id="{8325990E-89A1-418C-BAD2-0015B9725131}" type="datetime1">
               <a:rPr lang="en-US" smtClean="0"/>
-              <a:t>7/14/2022</a:t>
+              <a:t>7/15/2022</a:t>
             </a:fld>
             <a:endParaRPr/>
           </a:p>
@@ -27517,7 +28150,7 @@
             </a:pPr>
             <a:fld id="{8325990E-89A1-418C-BAD2-0015B9725131}" type="datetime1">
               <a:rPr lang="en-US" smtClean="0"/>
-              <a:t>7/14/2022</a:t>
+              <a:t>7/15/2022</a:t>
             </a:fld>
             <a:endParaRPr/>
           </a:p>
@@ -27899,7 +28532,7 @@
             </a:pPr>
             <a:fld id="{8325990E-89A1-418C-BAD2-0015B9725131}" type="datetime1">
               <a:rPr lang="en-US" smtClean="0"/>
-              <a:t>7/14/2022</a:t>
+              <a:t>7/15/2022</a:t>
             </a:fld>
             <a:endParaRPr/>
           </a:p>
@@ -28320,7 +28953,7 @@
             </a:pPr>
             <a:fld id="{8325990E-89A1-418C-BAD2-0015B9725131}" type="datetime1">
               <a:rPr lang="en-US" smtClean="0"/>
-              <a:t>7/14/2022</a:t>
+              <a:t>7/15/2022</a:t>
             </a:fld>
             <a:endParaRPr/>
           </a:p>
@@ -28761,7 +29394,7 @@
             </a:pPr>
             <a:fld id="{8325990E-89A1-418C-BAD2-0015B9725131}" type="datetime1">
               <a:rPr lang="en-US" smtClean="0"/>
-              <a:t>7/14/2022</a:t>
+              <a:t>7/15/2022</a:t>
             </a:fld>
             <a:endParaRPr/>
           </a:p>
@@ -29215,7 +29848,7 @@
             </a:pPr>
             <a:fld id="{8325990E-89A1-418C-BAD2-0015B9725131}" type="datetime1">
               <a:rPr lang="en-US" smtClean="0"/>
-              <a:t>7/14/2022</a:t>
+              <a:t>7/15/2022</a:t>
             </a:fld>
             <a:endParaRPr/>
           </a:p>
@@ -29575,7 +30208,7 @@
             </a:pPr>
             <a:fld id="{8325990E-89A1-418C-BAD2-0015B9725131}" type="datetime1">
               <a:rPr lang="en-US" smtClean="0"/>
-              <a:t>7/14/2022</a:t>
+              <a:t>7/15/2022</a:t>
             </a:fld>
             <a:endParaRPr dirty="0"/>
           </a:p>
@@ -29975,7 +30608,7 @@
             </a:pPr>
             <a:fld id="{8325990E-89A1-418C-BAD2-0015B9725131}" type="datetime1">
               <a:rPr lang="en-US" smtClean="0"/>
-              <a:t>7/14/2022</a:t>
+              <a:t>7/15/2022</a:t>
             </a:fld>
             <a:endParaRPr dirty="0"/>
           </a:p>
@@ -30454,7 +31087,7 @@
             </a:pPr>
             <a:fld id="{8325990E-89A1-418C-BAD2-0015B9725131}" type="datetime1">
               <a:rPr lang="en-US" smtClean="0"/>
-              <a:t>7/14/2022</a:t>
+              <a:t>7/15/2022</a:t>
             </a:fld>
             <a:endParaRPr dirty="0"/>
           </a:p>
@@ -30900,7 +31533,7 @@
             </a:pPr>
             <a:fld id="{8325990E-89A1-418C-BAD2-0015B9725131}" type="datetime1">
               <a:rPr lang="en-US" smtClean="0"/>
-              <a:t>7/14/2022</a:t>
+              <a:t>7/15/2022</a:t>
             </a:fld>
             <a:endParaRPr dirty="0"/>
           </a:p>
@@ -31822,7 +32455,7 @@
             </a:pPr>
             <a:fld id="{8325990E-89A1-418C-BAD2-0015B9725131}" type="datetime1">
               <a:rPr lang="en-US" smtClean="0"/>
-              <a:t>7/14/2022</a:t>
+              <a:t>7/15/2022</a:t>
             </a:fld>
             <a:endParaRPr dirty="0"/>
           </a:p>
@@ -32333,7 +32966,7 @@
             </a:pPr>
             <a:fld id="{8325990E-89A1-418C-BAD2-0015B9725131}" type="datetime1">
               <a:rPr lang="en-US" smtClean="0"/>
-              <a:t>7/14/2022</a:t>
+              <a:t>7/15/2022</a:t>
             </a:fld>
             <a:endParaRPr dirty="0"/>
           </a:p>
@@ -32644,7 +33277,7 @@
             </a:pPr>
             <a:fld id="{8325990E-89A1-418C-BAD2-0015B9725131}" type="datetime1">
               <a:rPr lang="en-US" smtClean="0"/>
-              <a:t>7/14/2022</a:t>
+              <a:t>7/15/2022</a:t>
             </a:fld>
             <a:endParaRPr dirty="0"/>
           </a:p>
@@ -33178,7 +33811,7 @@
             </a:pPr>
             <a:fld id="{8325990E-89A1-418C-BAD2-0015B9725131}" type="datetime1">
               <a:rPr lang="en-US" smtClean="0"/>
-              <a:t>7/14/2022</a:t>
+              <a:t>7/15/2022</a:t>
             </a:fld>
             <a:endParaRPr dirty="0"/>
           </a:p>
@@ -33561,7 +34194,7 @@
             </a:pPr>
             <a:fld id="{8325990E-89A1-418C-BAD2-0015B9725131}" type="datetime1">
               <a:rPr lang="en-US" smtClean="0"/>
-              <a:t>7/14/2022</a:t>
+              <a:t>7/15/2022</a:t>
             </a:fld>
             <a:endParaRPr dirty="0"/>
           </a:p>
@@ -33946,7 +34579,7 @@
             </a:pPr>
             <a:fld id="{8325990E-89A1-418C-BAD2-0015B9725131}" type="datetime1">
               <a:rPr lang="en-US" smtClean="0"/>
-              <a:t>7/14/2022</a:t>
+              <a:t>7/15/2022</a:t>
             </a:fld>
             <a:endParaRPr dirty="0"/>
           </a:p>
@@ -34402,7 +35035,7 @@
             </a:pPr>
             <a:fld id="{8325990E-89A1-418C-BAD2-0015B9725131}" type="datetime1">
               <a:rPr lang="en-US" smtClean="0"/>
-              <a:t>7/14/2022</a:t>
+              <a:t>7/15/2022</a:t>
             </a:fld>
             <a:endParaRPr/>
           </a:p>
@@ -34743,7 +35376,7 @@
             </a:pPr>
             <a:fld id="{8325990E-89A1-418C-BAD2-0015B9725131}" type="datetime1">
               <a:rPr lang="en-US" smtClean="0"/>
-              <a:t>7/14/2022</a:t>
+              <a:t>7/15/2022</a:t>
             </a:fld>
             <a:endParaRPr dirty="0"/>
           </a:p>
@@ -35195,7 +35828,7 @@
             </a:pPr>
             <a:fld id="{8325990E-89A1-418C-BAD2-0015B9725131}" type="datetime1">
               <a:rPr lang="en-US" smtClean="0"/>
-              <a:t>7/14/2022</a:t>
+              <a:t>7/15/2022</a:t>
             </a:fld>
             <a:endParaRPr/>
           </a:p>
@@ -35483,7 +36116,7 @@
             </a:pPr>
             <a:fld id="{8325990E-89A1-418C-BAD2-0015B9725131}" type="datetime1">
               <a:rPr lang="en-US" smtClean="0"/>
-              <a:t>7/14/2022</a:t>
+              <a:t>7/15/2022</a:t>
             </a:fld>
             <a:endParaRPr/>
           </a:p>
@@ -36732,7 +37365,7 @@
             </a:pPr>
             <a:fld id="{8325990E-89A1-418C-BAD2-0015B9725131}" type="datetime1">
               <a:rPr lang="en-US" smtClean="0"/>
-              <a:t>7/14/2022</a:t>
+              <a:t>7/15/2022</a:t>
             </a:fld>
             <a:endParaRPr/>
           </a:p>
@@ -37135,7 +37768,7 @@
             </a:pPr>
             <a:fld id="{8325990E-89A1-418C-BAD2-0015B9725131}" type="datetime1">
               <a:rPr lang="en-US" smtClean="0"/>
-              <a:t>7/14/2022</a:t>
+              <a:t>7/15/2022</a:t>
             </a:fld>
             <a:endParaRPr/>
           </a:p>
@@ -37583,7 +38216,7 @@
             </a:pPr>
             <a:fld id="{8325990E-89A1-418C-BAD2-0015B9725131}" type="datetime1">
               <a:rPr lang="en-US" smtClean="0"/>
-              <a:t>7/14/2022</a:t>
+              <a:t>7/15/2022</a:t>
             </a:fld>
             <a:endParaRPr/>
           </a:p>
@@ -37937,7 +38570,7 @@
             </a:pPr>
             <a:fld id="{8325990E-89A1-418C-BAD2-0015B9725131}" type="datetime1">
               <a:rPr lang="en-US" smtClean="0"/>
-              <a:t>7/14/2022</a:t>
+              <a:t>7/15/2022</a:t>
             </a:fld>
             <a:endParaRPr/>
           </a:p>
@@ -38245,6 +38878,1175 @@
     <p:extLst>
       <p:ext uri="{BB962C8B-B14F-4D97-AF65-F5344CB8AC3E}">
         <p14:creationId xmlns:p14="http://schemas.microsoft.com/office/powerpoint/2010/main" val="967904056"/>
+      </p:ext>
+    </p:extLst>
+  </p:cSld>
+  <p:clrMapOvr>
+    <a:masterClrMapping/>
+  </p:clrMapOvr>
+</p:sld>
+</file>
+
+<file path=ppt/slides/slide47.xml><?xml version="1.0" encoding="utf-8"?>
+<p:sld xmlns:a="http://schemas.openxmlformats.org/drawingml/2006/main" xmlns:r="http://schemas.openxmlformats.org/officeDocument/2006/relationships" xmlns:p="http://schemas.openxmlformats.org/presentationml/2006/main">
+  <p:cSld>
+    <p:spTree>
+      <p:nvGrpSpPr>
+        <p:cNvPr id="1" name="Shape 104"/>
+        <p:cNvGrpSpPr/>
+        <p:nvPr/>
+      </p:nvGrpSpPr>
+      <p:grpSpPr>
+        <a:xfrm>
+          <a:off x="0" y="0"/>
+          <a:ext cx="0" cy="0"/>
+          <a:chOff x="0" y="0"/>
+          <a:chExt cx="0" cy="0"/>
+        </a:xfrm>
+      </p:grpSpPr>
+      <p:sp>
+        <p:nvSpPr>
+          <p:cNvPr id="105" name="Google Shape;105;p15"/>
+          <p:cNvSpPr txBox="1">
+            <a:spLocks noGrp="1"/>
+          </p:cNvSpPr>
+          <p:nvPr>
+            <p:ph type="dt" idx="10"/>
+          </p:nvPr>
+        </p:nvSpPr>
+        <p:spPr>
+          <a:xfrm>
+            <a:off x="457200" y="6245225"/>
+            <a:ext cx="2133600" cy="476250"/>
+          </a:xfrm>
+          <a:prstGeom prst="rect">
+            <a:avLst/>
+          </a:prstGeom>
+          <a:noFill/>
+          <a:ln>
+            <a:noFill/>
+          </a:ln>
+        </p:spPr>
+        <p:txBody>
+          <a:bodyPr spcFirstLastPara="1" wrap="square" lIns="91425" tIns="45700" rIns="91425" bIns="45700" anchor="t" anchorCtr="0">
+            <a:noAutofit/>
+          </a:bodyPr>
+          <a:lstStyle/>
+          <a:p>
+            <a:pPr marL="0" lvl="0" indent="0" algn="l" rtl="0">
+              <a:spcBef>
+                <a:spcPts val="0"/>
+              </a:spcBef>
+              <a:spcAft>
+                <a:spcPts val="0"/>
+              </a:spcAft>
+              <a:buNone/>
+            </a:pPr>
+            <a:fld id="{8325990E-89A1-418C-BAD2-0015B9725131}" type="datetime1">
+              <a:rPr lang="en-US" smtClean="0"/>
+              <a:t>7/15/2022</a:t>
+            </a:fld>
+            <a:endParaRPr/>
+          </a:p>
+        </p:txBody>
+      </p:sp>
+      <p:sp>
+        <p:nvSpPr>
+          <p:cNvPr id="106" name="Google Shape;106;p15"/>
+          <p:cNvSpPr txBox="1">
+            <a:spLocks noGrp="1"/>
+          </p:cNvSpPr>
+          <p:nvPr>
+            <p:ph type="ftr" idx="11"/>
+          </p:nvPr>
+        </p:nvSpPr>
+        <p:spPr>
+          <a:xfrm>
+            <a:off x="3124200" y="6245225"/>
+            <a:ext cx="2895600" cy="476250"/>
+          </a:xfrm>
+          <a:prstGeom prst="rect">
+            <a:avLst/>
+          </a:prstGeom>
+          <a:noFill/>
+          <a:ln>
+            <a:noFill/>
+          </a:ln>
+        </p:spPr>
+        <p:txBody>
+          <a:bodyPr spcFirstLastPara="1" wrap="square" lIns="91425" tIns="45700" rIns="91425" bIns="45700" anchor="t" anchorCtr="0">
+            <a:noAutofit/>
+          </a:bodyPr>
+          <a:lstStyle/>
+          <a:p>
+            <a:pPr marL="0" lvl="0" indent="0" algn="ctr" rtl="0">
+              <a:spcBef>
+                <a:spcPts val="0"/>
+              </a:spcBef>
+              <a:spcAft>
+                <a:spcPts val="0"/>
+              </a:spcAft>
+              <a:buNone/>
+            </a:pPr>
+            <a:r>
+              <a:rPr lang="en-US"/>
+              <a:t>Ankit Velani, MBA-SIT,Tumkur</a:t>
+            </a:r>
+            <a:endParaRPr/>
+          </a:p>
+        </p:txBody>
+      </p:sp>
+      <p:sp>
+        <p:nvSpPr>
+          <p:cNvPr id="107" name="Google Shape;107;p15"/>
+          <p:cNvSpPr txBox="1">
+            <a:spLocks noGrp="1"/>
+          </p:cNvSpPr>
+          <p:nvPr>
+            <p:ph type="sldNum" idx="12"/>
+          </p:nvPr>
+        </p:nvSpPr>
+        <p:spPr>
+          <a:xfrm>
+            <a:off x="6553200" y="6245225"/>
+            <a:ext cx="2133600" cy="476250"/>
+          </a:xfrm>
+          <a:prstGeom prst="rect">
+            <a:avLst/>
+          </a:prstGeom>
+          <a:noFill/>
+          <a:ln>
+            <a:noFill/>
+          </a:ln>
+        </p:spPr>
+        <p:txBody>
+          <a:bodyPr spcFirstLastPara="1" wrap="square" lIns="91425" tIns="45700" rIns="91425" bIns="45700" anchor="t" anchorCtr="0">
+            <a:noAutofit/>
+          </a:bodyPr>
+          <a:lstStyle/>
+          <a:p>
+            <a:pPr marL="0" lvl="0" indent="0" algn="r" rtl="0">
+              <a:spcBef>
+                <a:spcPts val="0"/>
+              </a:spcBef>
+              <a:spcAft>
+                <a:spcPts val="0"/>
+              </a:spcAft>
+              <a:buNone/>
+            </a:pPr>
+            <a:fld id="{00000000-1234-1234-1234-123412341234}" type="slidenum">
+              <a:rPr lang="en-US"/>
+              <a:t>47</a:t>
+            </a:fld>
+            <a:endParaRPr dirty="0"/>
+          </a:p>
+        </p:txBody>
+      </p:sp>
+      <p:sp>
+        <p:nvSpPr>
+          <p:cNvPr id="108" name="Google Shape;108;p15"/>
+          <p:cNvSpPr txBox="1">
+            <a:spLocks noGrp="1"/>
+          </p:cNvSpPr>
+          <p:nvPr>
+            <p:ph type="title"/>
+          </p:nvPr>
+        </p:nvSpPr>
+        <p:spPr>
+          <a:xfrm>
+            <a:off x="457200" y="240771"/>
+            <a:ext cx="8229600" cy="1143000"/>
+          </a:xfrm>
+          <a:prstGeom prst="rect">
+            <a:avLst/>
+          </a:prstGeom>
+          <a:noFill/>
+          <a:ln>
+            <a:noFill/>
+          </a:ln>
+        </p:spPr>
+        <p:txBody>
+          <a:bodyPr spcFirstLastPara="1" wrap="square" lIns="91425" tIns="45700" rIns="91425" bIns="45700" anchor="ctr" anchorCtr="0">
+            <a:noAutofit/>
+          </a:bodyPr>
+          <a:lstStyle/>
+          <a:p>
+            <a:pPr algn="l"/>
+            <a:r>
+              <a:rPr lang="en-US" dirty="0"/>
+              <a:t>Categorical data - Factors</a:t>
+            </a:r>
+          </a:p>
+        </p:txBody>
+      </p:sp>
+      <p:sp>
+        <p:nvSpPr>
+          <p:cNvPr id="109" name="Google Shape;109;p15"/>
+          <p:cNvSpPr txBox="1">
+            <a:spLocks noGrp="1"/>
+          </p:cNvSpPr>
+          <p:nvPr>
+            <p:ph type="body" idx="1"/>
+          </p:nvPr>
+        </p:nvSpPr>
+        <p:spPr>
+          <a:xfrm>
+            <a:off x="208723" y="1198980"/>
+            <a:ext cx="8478077" cy="4525963"/>
+          </a:xfrm>
+          <a:prstGeom prst="rect">
+            <a:avLst/>
+          </a:prstGeom>
+          <a:noFill/>
+          <a:ln>
+            <a:noFill/>
+          </a:ln>
+        </p:spPr>
+        <p:txBody>
+          <a:bodyPr spcFirstLastPara="1" wrap="square" lIns="91425" tIns="45700" rIns="91425" bIns="45700" anchor="t" anchorCtr="0">
+            <a:noAutofit/>
+          </a:bodyPr>
+          <a:lstStyle/>
+          <a:p>
+            <a:pPr marL="342900">
+              <a:spcBef>
+                <a:spcPts val="0"/>
+              </a:spcBef>
+              <a:buSzPts val="3200"/>
+            </a:pPr>
+            <a:r>
+              <a:rPr lang="en-US" sz="2200" dirty="0"/>
+              <a:t>Factors in R Programming are data structures that are implemented to categorize the data or represent categorical data and store it on multiple levels.</a:t>
+            </a:r>
+          </a:p>
+          <a:p>
+            <a:pPr marL="342900">
+              <a:spcBef>
+                <a:spcPts val="0"/>
+              </a:spcBef>
+              <a:buSzPts val="3200"/>
+            </a:pPr>
+            <a:endParaRPr lang="en-US" sz="2200" dirty="0"/>
+          </a:p>
+          <a:p>
+            <a:pPr marL="342900">
+              <a:spcBef>
+                <a:spcPts val="0"/>
+              </a:spcBef>
+              <a:buSzPts val="3200"/>
+            </a:pPr>
+            <a:r>
+              <a:rPr lang="en-US" sz="2200" dirty="0"/>
+              <a:t>Factors may look similar to character vectors, but factor has levels and represent categorized data in a numeric format in memory to process categorical data efficiently.</a:t>
+            </a:r>
+          </a:p>
+          <a:p>
+            <a:pPr marL="342900">
+              <a:spcBef>
+                <a:spcPts val="0"/>
+              </a:spcBef>
+              <a:buSzPts val="3200"/>
+            </a:pPr>
+            <a:r>
+              <a:rPr lang="en-US" sz="2200" dirty="0"/>
+              <a:t>The Factors accepts only restricted number of unique values.</a:t>
+            </a:r>
+          </a:p>
+          <a:p>
+            <a:pPr marL="342900">
+              <a:spcBef>
+                <a:spcPts val="0"/>
+              </a:spcBef>
+              <a:buSzPts val="3200"/>
+            </a:pPr>
+            <a:endParaRPr lang="en-US" sz="2200" dirty="0"/>
+          </a:p>
+          <a:p>
+            <a:pPr marL="0" indent="0">
+              <a:spcBef>
+                <a:spcPts val="0"/>
+              </a:spcBef>
+              <a:buSzPts val="3200"/>
+              <a:buNone/>
+            </a:pPr>
+            <a:r>
+              <a:rPr lang="en-US" sz="2200" dirty="0"/>
+              <a:t>Example:</a:t>
+            </a:r>
+          </a:p>
+          <a:p>
+            <a:pPr marL="342900">
+              <a:spcBef>
+                <a:spcPts val="0"/>
+              </a:spcBef>
+              <a:buSzPts val="3200"/>
+              <a:buFont typeface="Wingdings" panose="05000000000000000000" pitchFamily="2" charset="2"/>
+              <a:buChar char="§"/>
+            </a:pPr>
+            <a:r>
+              <a:rPr lang="en-US" sz="2200" dirty="0"/>
+              <a:t>A data field/vector such as gender may contains predefine set of values like Male, Female, Transgender.</a:t>
+            </a:r>
+          </a:p>
+          <a:p>
+            <a:pPr marL="342900">
+              <a:spcBef>
+                <a:spcPts val="0"/>
+              </a:spcBef>
+              <a:buSzPts val="3200"/>
+              <a:buFont typeface="Wingdings" panose="05000000000000000000" pitchFamily="2" charset="2"/>
+              <a:buChar char="§"/>
+            </a:pPr>
+            <a:r>
+              <a:rPr lang="en-US" sz="2200" dirty="0"/>
+              <a:t>This distinct/unique values are also knowing as levels.</a:t>
+            </a:r>
+          </a:p>
+        </p:txBody>
+      </p:sp>
+    </p:spTree>
+    <p:extLst>
+      <p:ext uri="{BB962C8B-B14F-4D97-AF65-F5344CB8AC3E}">
+        <p14:creationId xmlns:p14="http://schemas.microsoft.com/office/powerpoint/2010/main" val="1220571586"/>
+      </p:ext>
+    </p:extLst>
+  </p:cSld>
+  <p:clrMapOvr>
+    <a:masterClrMapping/>
+  </p:clrMapOvr>
+</p:sld>
+</file>
+
+<file path=ppt/slides/slide48.xml><?xml version="1.0" encoding="utf-8"?>
+<p:sld xmlns:a="http://schemas.openxmlformats.org/drawingml/2006/main" xmlns:r="http://schemas.openxmlformats.org/officeDocument/2006/relationships" xmlns:p="http://schemas.openxmlformats.org/presentationml/2006/main">
+  <p:cSld>
+    <p:spTree>
+      <p:nvGrpSpPr>
+        <p:cNvPr id="1" name="Shape 104"/>
+        <p:cNvGrpSpPr/>
+        <p:nvPr/>
+      </p:nvGrpSpPr>
+      <p:grpSpPr>
+        <a:xfrm>
+          <a:off x="0" y="0"/>
+          <a:ext cx="0" cy="0"/>
+          <a:chOff x="0" y="0"/>
+          <a:chExt cx="0" cy="0"/>
+        </a:xfrm>
+      </p:grpSpPr>
+      <p:sp>
+        <p:nvSpPr>
+          <p:cNvPr id="105" name="Google Shape;105;p15"/>
+          <p:cNvSpPr txBox="1">
+            <a:spLocks noGrp="1"/>
+          </p:cNvSpPr>
+          <p:nvPr>
+            <p:ph type="dt" idx="10"/>
+          </p:nvPr>
+        </p:nvSpPr>
+        <p:spPr>
+          <a:xfrm>
+            <a:off x="457200" y="6245225"/>
+            <a:ext cx="2133600" cy="476250"/>
+          </a:xfrm>
+          <a:prstGeom prst="rect">
+            <a:avLst/>
+          </a:prstGeom>
+          <a:noFill/>
+          <a:ln>
+            <a:noFill/>
+          </a:ln>
+        </p:spPr>
+        <p:txBody>
+          <a:bodyPr spcFirstLastPara="1" wrap="square" lIns="91425" tIns="45700" rIns="91425" bIns="45700" anchor="t" anchorCtr="0">
+            <a:noAutofit/>
+          </a:bodyPr>
+          <a:lstStyle/>
+          <a:p>
+            <a:pPr marL="0" lvl="0" indent="0" algn="l" rtl="0">
+              <a:spcBef>
+                <a:spcPts val="0"/>
+              </a:spcBef>
+              <a:spcAft>
+                <a:spcPts val="0"/>
+              </a:spcAft>
+              <a:buNone/>
+            </a:pPr>
+            <a:fld id="{8325990E-89A1-418C-BAD2-0015B9725131}" type="datetime1">
+              <a:rPr lang="en-US" smtClean="0"/>
+              <a:t>7/15/2022</a:t>
+            </a:fld>
+            <a:endParaRPr/>
+          </a:p>
+        </p:txBody>
+      </p:sp>
+      <p:sp>
+        <p:nvSpPr>
+          <p:cNvPr id="106" name="Google Shape;106;p15"/>
+          <p:cNvSpPr txBox="1">
+            <a:spLocks noGrp="1"/>
+          </p:cNvSpPr>
+          <p:nvPr>
+            <p:ph type="ftr" idx="11"/>
+          </p:nvPr>
+        </p:nvSpPr>
+        <p:spPr>
+          <a:xfrm>
+            <a:off x="3124200" y="6245225"/>
+            <a:ext cx="2895600" cy="476250"/>
+          </a:xfrm>
+          <a:prstGeom prst="rect">
+            <a:avLst/>
+          </a:prstGeom>
+          <a:noFill/>
+          <a:ln>
+            <a:noFill/>
+          </a:ln>
+        </p:spPr>
+        <p:txBody>
+          <a:bodyPr spcFirstLastPara="1" wrap="square" lIns="91425" tIns="45700" rIns="91425" bIns="45700" anchor="t" anchorCtr="0">
+            <a:noAutofit/>
+          </a:bodyPr>
+          <a:lstStyle/>
+          <a:p>
+            <a:pPr marL="0" lvl="0" indent="0" algn="ctr" rtl="0">
+              <a:spcBef>
+                <a:spcPts val="0"/>
+              </a:spcBef>
+              <a:spcAft>
+                <a:spcPts val="0"/>
+              </a:spcAft>
+              <a:buNone/>
+            </a:pPr>
+            <a:r>
+              <a:rPr lang="en-US"/>
+              <a:t>Ankit Velani, MBA-SIT,Tumkur</a:t>
+            </a:r>
+            <a:endParaRPr/>
+          </a:p>
+        </p:txBody>
+      </p:sp>
+      <p:sp>
+        <p:nvSpPr>
+          <p:cNvPr id="107" name="Google Shape;107;p15"/>
+          <p:cNvSpPr txBox="1">
+            <a:spLocks noGrp="1"/>
+          </p:cNvSpPr>
+          <p:nvPr>
+            <p:ph type="sldNum" idx="12"/>
+          </p:nvPr>
+        </p:nvSpPr>
+        <p:spPr>
+          <a:xfrm>
+            <a:off x="6553200" y="6245225"/>
+            <a:ext cx="2133600" cy="476250"/>
+          </a:xfrm>
+          <a:prstGeom prst="rect">
+            <a:avLst/>
+          </a:prstGeom>
+          <a:noFill/>
+          <a:ln>
+            <a:noFill/>
+          </a:ln>
+        </p:spPr>
+        <p:txBody>
+          <a:bodyPr spcFirstLastPara="1" wrap="square" lIns="91425" tIns="45700" rIns="91425" bIns="45700" anchor="t" anchorCtr="0">
+            <a:noAutofit/>
+          </a:bodyPr>
+          <a:lstStyle/>
+          <a:p>
+            <a:pPr marL="0" lvl="0" indent="0" algn="r" rtl="0">
+              <a:spcBef>
+                <a:spcPts val="0"/>
+              </a:spcBef>
+              <a:spcAft>
+                <a:spcPts val="0"/>
+              </a:spcAft>
+              <a:buNone/>
+            </a:pPr>
+            <a:fld id="{00000000-1234-1234-1234-123412341234}" type="slidenum">
+              <a:rPr lang="en-US"/>
+              <a:t>48</a:t>
+            </a:fld>
+            <a:endParaRPr dirty="0"/>
+          </a:p>
+        </p:txBody>
+      </p:sp>
+      <p:sp>
+        <p:nvSpPr>
+          <p:cNvPr id="108" name="Google Shape;108;p15"/>
+          <p:cNvSpPr txBox="1">
+            <a:spLocks noGrp="1"/>
+          </p:cNvSpPr>
+          <p:nvPr>
+            <p:ph type="title"/>
+          </p:nvPr>
+        </p:nvSpPr>
+        <p:spPr>
+          <a:xfrm>
+            <a:off x="457200" y="240771"/>
+            <a:ext cx="8229600" cy="1143000"/>
+          </a:xfrm>
+          <a:prstGeom prst="rect">
+            <a:avLst/>
+          </a:prstGeom>
+          <a:noFill/>
+          <a:ln>
+            <a:noFill/>
+          </a:ln>
+        </p:spPr>
+        <p:txBody>
+          <a:bodyPr spcFirstLastPara="1" wrap="square" lIns="91425" tIns="45700" rIns="91425" bIns="45700" anchor="ctr" anchorCtr="0">
+            <a:noAutofit/>
+          </a:bodyPr>
+          <a:lstStyle/>
+          <a:p>
+            <a:pPr algn="l"/>
+            <a:r>
+              <a:rPr lang="en-US" dirty="0"/>
+              <a:t>Categorical data - Factors</a:t>
+            </a:r>
+          </a:p>
+        </p:txBody>
+      </p:sp>
+      <p:sp>
+        <p:nvSpPr>
+          <p:cNvPr id="109" name="Google Shape;109;p15"/>
+          <p:cNvSpPr txBox="1">
+            <a:spLocks noGrp="1"/>
+          </p:cNvSpPr>
+          <p:nvPr>
+            <p:ph type="body" idx="1"/>
+          </p:nvPr>
+        </p:nvSpPr>
+        <p:spPr>
+          <a:xfrm>
+            <a:off x="208723" y="1198980"/>
+            <a:ext cx="8478077" cy="4525963"/>
+          </a:xfrm>
+          <a:prstGeom prst="rect">
+            <a:avLst/>
+          </a:prstGeom>
+          <a:noFill/>
+          <a:ln>
+            <a:noFill/>
+          </a:ln>
+        </p:spPr>
+        <p:txBody>
+          <a:bodyPr spcFirstLastPara="1" wrap="square" lIns="91425" tIns="45700" rIns="91425" bIns="45700" anchor="t" anchorCtr="0">
+            <a:noAutofit/>
+          </a:bodyPr>
+          <a:lstStyle/>
+          <a:p>
+            <a:pPr marL="342900">
+              <a:spcBef>
+                <a:spcPts val="0"/>
+              </a:spcBef>
+              <a:buSzPts val="3200"/>
+            </a:pPr>
+            <a:r>
+              <a:rPr lang="en-US" sz="2200" dirty="0"/>
+              <a:t>Creating Factors:</a:t>
+            </a:r>
+          </a:p>
+          <a:p>
+            <a:pPr marL="0" indent="0">
+              <a:spcBef>
+                <a:spcPts val="0"/>
+              </a:spcBef>
+              <a:buSzPts val="3200"/>
+              <a:buNone/>
+            </a:pPr>
+            <a:r>
+              <a:rPr lang="en-US" sz="2200" dirty="0"/>
+              <a:t>factor() function use to create factors on categorical data.</a:t>
+            </a:r>
+          </a:p>
+          <a:p>
+            <a:pPr marL="0" indent="0">
+              <a:spcBef>
+                <a:spcPts val="0"/>
+              </a:spcBef>
+              <a:buSzPts val="3200"/>
+              <a:buNone/>
+            </a:pPr>
+            <a:endParaRPr lang="en-US" sz="2200" dirty="0"/>
+          </a:p>
+          <a:p>
+            <a:pPr marL="0" indent="0">
+              <a:spcBef>
+                <a:spcPts val="0"/>
+              </a:spcBef>
+              <a:buSzPts val="3200"/>
+              <a:buNone/>
+            </a:pPr>
+            <a:r>
+              <a:rPr lang="en-US" sz="2200" dirty="0"/>
+              <a:t>Two steps:</a:t>
+            </a:r>
+          </a:p>
+          <a:p>
+            <a:pPr marL="0" indent="0">
+              <a:spcBef>
+                <a:spcPts val="0"/>
+              </a:spcBef>
+              <a:buSzPts val="3200"/>
+              <a:buNone/>
+            </a:pPr>
+            <a:r>
+              <a:rPr lang="en-US" sz="2200" dirty="0"/>
+              <a:t>	- Create Vector</a:t>
+            </a:r>
+          </a:p>
+          <a:p>
+            <a:pPr marL="0" indent="0">
+              <a:spcBef>
+                <a:spcPts val="0"/>
+              </a:spcBef>
+              <a:buSzPts val="3200"/>
+              <a:buNone/>
+            </a:pPr>
+            <a:r>
+              <a:rPr lang="en-US" sz="2200" dirty="0"/>
+              <a:t>	- Convert Vectors into Factors using factor() function</a:t>
+            </a:r>
+          </a:p>
+          <a:p>
+            <a:pPr marL="0" indent="0">
+              <a:spcBef>
+                <a:spcPts val="0"/>
+              </a:spcBef>
+              <a:buSzPts val="3200"/>
+              <a:buNone/>
+            </a:pPr>
+            <a:endParaRPr lang="en-US" sz="2200" dirty="0"/>
+          </a:p>
+          <a:p>
+            <a:pPr marL="0" indent="0">
+              <a:spcBef>
+                <a:spcPts val="0"/>
+              </a:spcBef>
+              <a:buSzPts val="3200"/>
+              <a:buNone/>
+            </a:pPr>
+            <a:endParaRPr lang="en-US" sz="2200" dirty="0"/>
+          </a:p>
+          <a:p>
+            <a:pPr marL="0" indent="0">
+              <a:spcBef>
+                <a:spcPts val="0"/>
+              </a:spcBef>
+              <a:buSzPts val="3200"/>
+              <a:buNone/>
+            </a:pPr>
+            <a:r>
+              <a:rPr lang="en-US" sz="2200" dirty="0"/>
+              <a:t>Example:</a:t>
+            </a:r>
+          </a:p>
+          <a:p>
+            <a:pPr marL="0" indent="0">
+              <a:spcBef>
+                <a:spcPts val="0"/>
+              </a:spcBef>
+              <a:buSzPts val="3200"/>
+              <a:buNone/>
+            </a:pPr>
+            <a:r>
+              <a:rPr lang="en-US" sz="2200" b="1" dirty="0"/>
+              <a:t>gender </a:t>
+            </a:r>
+            <a:r>
+              <a:rPr lang="en-US" sz="2200" b="1" dirty="0">
+                <a:sym typeface="Wingdings" panose="05000000000000000000" pitchFamily="2" charset="2"/>
+              </a:rPr>
+              <a:t></a:t>
+            </a:r>
+            <a:r>
+              <a:rPr lang="en-US" sz="2200" b="1" dirty="0"/>
+              <a:t> c(“Male”, “Female”, “Male”, “Male”)</a:t>
+            </a:r>
+          </a:p>
+          <a:p>
+            <a:pPr marL="0" indent="0">
+              <a:spcBef>
+                <a:spcPts val="0"/>
+              </a:spcBef>
+              <a:buSzPts val="3200"/>
+              <a:buNone/>
+            </a:pPr>
+            <a:r>
+              <a:rPr lang="en-US" sz="2200" b="1" dirty="0" err="1"/>
+              <a:t>gender_f</a:t>
+            </a:r>
+            <a:r>
+              <a:rPr lang="en-US" sz="2200" b="1" dirty="0"/>
+              <a:t> </a:t>
+            </a:r>
+            <a:r>
+              <a:rPr lang="en-US" sz="2200" b="1" dirty="0">
+                <a:sym typeface="Wingdings" panose="05000000000000000000" pitchFamily="2" charset="2"/>
+              </a:rPr>
+              <a:t> factor(gender)</a:t>
+            </a:r>
+          </a:p>
+          <a:p>
+            <a:pPr marL="0" indent="0">
+              <a:spcBef>
+                <a:spcPts val="0"/>
+              </a:spcBef>
+              <a:buSzPts val="3200"/>
+              <a:buNone/>
+            </a:pPr>
+            <a:endParaRPr lang="en-US" sz="2200" dirty="0"/>
+          </a:p>
+        </p:txBody>
+      </p:sp>
+    </p:spTree>
+    <p:extLst>
+      <p:ext uri="{BB962C8B-B14F-4D97-AF65-F5344CB8AC3E}">
+        <p14:creationId xmlns:p14="http://schemas.microsoft.com/office/powerpoint/2010/main" val="1006699271"/>
+      </p:ext>
+    </p:extLst>
+  </p:cSld>
+  <p:clrMapOvr>
+    <a:masterClrMapping/>
+  </p:clrMapOvr>
+</p:sld>
+</file>
+
+<file path=ppt/slides/slide49.xml><?xml version="1.0" encoding="utf-8"?>
+<p:sld xmlns:a="http://schemas.openxmlformats.org/drawingml/2006/main" xmlns:r="http://schemas.openxmlformats.org/officeDocument/2006/relationships" xmlns:p="http://schemas.openxmlformats.org/presentationml/2006/main">
+  <p:cSld>
+    <p:spTree>
+      <p:nvGrpSpPr>
+        <p:cNvPr id="1" name="Shape 104"/>
+        <p:cNvGrpSpPr/>
+        <p:nvPr/>
+      </p:nvGrpSpPr>
+      <p:grpSpPr>
+        <a:xfrm>
+          <a:off x="0" y="0"/>
+          <a:ext cx="0" cy="0"/>
+          <a:chOff x="0" y="0"/>
+          <a:chExt cx="0" cy="0"/>
+        </a:xfrm>
+      </p:grpSpPr>
+      <p:sp>
+        <p:nvSpPr>
+          <p:cNvPr id="105" name="Google Shape;105;p15"/>
+          <p:cNvSpPr txBox="1">
+            <a:spLocks noGrp="1"/>
+          </p:cNvSpPr>
+          <p:nvPr>
+            <p:ph type="dt" idx="10"/>
+          </p:nvPr>
+        </p:nvSpPr>
+        <p:spPr>
+          <a:xfrm>
+            <a:off x="457200" y="6245225"/>
+            <a:ext cx="2133600" cy="476250"/>
+          </a:xfrm>
+          <a:prstGeom prst="rect">
+            <a:avLst/>
+          </a:prstGeom>
+          <a:noFill/>
+          <a:ln>
+            <a:noFill/>
+          </a:ln>
+        </p:spPr>
+        <p:txBody>
+          <a:bodyPr spcFirstLastPara="1" wrap="square" lIns="91425" tIns="45700" rIns="91425" bIns="45700" anchor="t" anchorCtr="0">
+            <a:noAutofit/>
+          </a:bodyPr>
+          <a:lstStyle/>
+          <a:p>
+            <a:pPr marL="0" lvl="0" indent="0" algn="l" rtl="0">
+              <a:spcBef>
+                <a:spcPts val="0"/>
+              </a:spcBef>
+              <a:spcAft>
+                <a:spcPts val="0"/>
+              </a:spcAft>
+              <a:buNone/>
+            </a:pPr>
+            <a:fld id="{8325990E-89A1-418C-BAD2-0015B9725131}" type="datetime1">
+              <a:rPr lang="en-US" smtClean="0"/>
+              <a:t>7/15/2022</a:t>
+            </a:fld>
+            <a:endParaRPr/>
+          </a:p>
+        </p:txBody>
+      </p:sp>
+      <p:sp>
+        <p:nvSpPr>
+          <p:cNvPr id="106" name="Google Shape;106;p15"/>
+          <p:cNvSpPr txBox="1">
+            <a:spLocks noGrp="1"/>
+          </p:cNvSpPr>
+          <p:nvPr>
+            <p:ph type="ftr" idx="11"/>
+          </p:nvPr>
+        </p:nvSpPr>
+        <p:spPr>
+          <a:xfrm>
+            <a:off x="3124200" y="6245225"/>
+            <a:ext cx="2895600" cy="476250"/>
+          </a:xfrm>
+          <a:prstGeom prst="rect">
+            <a:avLst/>
+          </a:prstGeom>
+          <a:noFill/>
+          <a:ln>
+            <a:noFill/>
+          </a:ln>
+        </p:spPr>
+        <p:txBody>
+          <a:bodyPr spcFirstLastPara="1" wrap="square" lIns="91425" tIns="45700" rIns="91425" bIns="45700" anchor="t" anchorCtr="0">
+            <a:noAutofit/>
+          </a:bodyPr>
+          <a:lstStyle/>
+          <a:p>
+            <a:pPr marL="0" lvl="0" indent="0" algn="ctr" rtl="0">
+              <a:spcBef>
+                <a:spcPts val="0"/>
+              </a:spcBef>
+              <a:spcAft>
+                <a:spcPts val="0"/>
+              </a:spcAft>
+              <a:buNone/>
+            </a:pPr>
+            <a:r>
+              <a:rPr lang="en-US"/>
+              <a:t>Ankit Velani, MBA-SIT,Tumkur</a:t>
+            </a:r>
+            <a:endParaRPr/>
+          </a:p>
+        </p:txBody>
+      </p:sp>
+      <p:sp>
+        <p:nvSpPr>
+          <p:cNvPr id="107" name="Google Shape;107;p15"/>
+          <p:cNvSpPr txBox="1">
+            <a:spLocks noGrp="1"/>
+          </p:cNvSpPr>
+          <p:nvPr>
+            <p:ph type="sldNum" idx="12"/>
+          </p:nvPr>
+        </p:nvSpPr>
+        <p:spPr>
+          <a:xfrm>
+            <a:off x="6553200" y="6245225"/>
+            <a:ext cx="2133600" cy="476250"/>
+          </a:xfrm>
+          <a:prstGeom prst="rect">
+            <a:avLst/>
+          </a:prstGeom>
+          <a:noFill/>
+          <a:ln>
+            <a:noFill/>
+          </a:ln>
+        </p:spPr>
+        <p:txBody>
+          <a:bodyPr spcFirstLastPara="1" wrap="square" lIns="91425" tIns="45700" rIns="91425" bIns="45700" anchor="t" anchorCtr="0">
+            <a:noAutofit/>
+          </a:bodyPr>
+          <a:lstStyle/>
+          <a:p>
+            <a:pPr marL="0" lvl="0" indent="0" algn="r" rtl="0">
+              <a:spcBef>
+                <a:spcPts val="0"/>
+              </a:spcBef>
+              <a:spcAft>
+                <a:spcPts val="0"/>
+              </a:spcAft>
+              <a:buNone/>
+            </a:pPr>
+            <a:fld id="{00000000-1234-1234-1234-123412341234}" type="slidenum">
+              <a:rPr lang="en-US"/>
+              <a:t>49</a:t>
+            </a:fld>
+            <a:endParaRPr dirty="0"/>
+          </a:p>
+        </p:txBody>
+      </p:sp>
+      <p:sp>
+        <p:nvSpPr>
+          <p:cNvPr id="108" name="Google Shape;108;p15"/>
+          <p:cNvSpPr txBox="1">
+            <a:spLocks noGrp="1"/>
+          </p:cNvSpPr>
+          <p:nvPr>
+            <p:ph type="title"/>
+          </p:nvPr>
+        </p:nvSpPr>
+        <p:spPr>
+          <a:xfrm>
+            <a:off x="457200" y="240771"/>
+            <a:ext cx="8229600" cy="1143000"/>
+          </a:xfrm>
+          <a:prstGeom prst="rect">
+            <a:avLst/>
+          </a:prstGeom>
+          <a:noFill/>
+          <a:ln>
+            <a:noFill/>
+          </a:ln>
+        </p:spPr>
+        <p:txBody>
+          <a:bodyPr spcFirstLastPara="1" wrap="square" lIns="91425" tIns="45700" rIns="91425" bIns="45700" anchor="ctr" anchorCtr="0">
+            <a:noAutofit/>
+          </a:bodyPr>
+          <a:lstStyle/>
+          <a:p>
+            <a:pPr algn="l"/>
+            <a:r>
+              <a:rPr lang="en-US" dirty="0"/>
+              <a:t>Categorical data - Factors</a:t>
+            </a:r>
+          </a:p>
+        </p:txBody>
+      </p:sp>
+      <p:sp>
+        <p:nvSpPr>
+          <p:cNvPr id="109" name="Google Shape;109;p15"/>
+          <p:cNvSpPr txBox="1">
+            <a:spLocks noGrp="1"/>
+          </p:cNvSpPr>
+          <p:nvPr>
+            <p:ph type="body" idx="1"/>
+          </p:nvPr>
+        </p:nvSpPr>
+        <p:spPr>
+          <a:xfrm>
+            <a:off x="208723" y="1198980"/>
+            <a:ext cx="8478077" cy="4525963"/>
+          </a:xfrm>
+          <a:prstGeom prst="rect">
+            <a:avLst/>
+          </a:prstGeom>
+          <a:noFill/>
+          <a:ln>
+            <a:noFill/>
+          </a:ln>
+        </p:spPr>
+        <p:txBody>
+          <a:bodyPr spcFirstLastPara="1" wrap="square" lIns="91425" tIns="45700" rIns="91425" bIns="45700" anchor="t" anchorCtr="0">
+            <a:noAutofit/>
+          </a:bodyPr>
+          <a:lstStyle/>
+          <a:p>
+            <a:pPr marL="342900">
+              <a:spcBef>
+                <a:spcPts val="0"/>
+              </a:spcBef>
+              <a:buSzPts val="3200"/>
+            </a:pPr>
+            <a:r>
+              <a:rPr lang="en-US" sz="2200" dirty="0"/>
+              <a:t>User can also define predefined levels in Factor with levels parameters in factor function.</a:t>
+            </a:r>
+          </a:p>
+          <a:p>
+            <a:pPr marL="342900">
+              <a:spcBef>
+                <a:spcPts val="0"/>
+              </a:spcBef>
+              <a:buSzPts val="3200"/>
+            </a:pPr>
+            <a:endParaRPr lang="en-US" sz="2200" dirty="0"/>
+          </a:p>
+          <a:p>
+            <a:pPr marL="0" indent="0">
+              <a:spcBef>
+                <a:spcPts val="0"/>
+              </a:spcBef>
+              <a:buSzPts val="3200"/>
+              <a:buNone/>
+            </a:pPr>
+            <a:r>
+              <a:rPr lang="en-US" sz="2200" dirty="0"/>
+              <a:t>Example:</a:t>
+            </a:r>
+          </a:p>
+          <a:p>
+            <a:pPr marL="0" indent="0">
+              <a:spcBef>
+                <a:spcPts val="0"/>
+              </a:spcBef>
+              <a:buSzPts val="3200"/>
+              <a:buNone/>
+            </a:pPr>
+            <a:endParaRPr lang="en-US" sz="2200" dirty="0"/>
+          </a:p>
+          <a:p>
+            <a:pPr marL="0" indent="0">
+              <a:spcBef>
+                <a:spcPts val="0"/>
+              </a:spcBef>
+              <a:buSzPts val="3200"/>
+              <a:buNone/>
+            </a:pPr>
+            <a:r>
+              <a:rPr lang="en-US" sz="2200" b="1" dirty="0"/>
+              <a:t>x </a:t>
+            </a:r>
+            <a:r>
+              <a:rPr lang="en-US" sz="2200" b="1" dirty="0">
+                <a:sym typeface="Wingdings" panose="05000000000000000000" pitchFamily="2" charset="2"/>
+              </a:rPr>
+              <a:t> c(“medium”, “</a:t>
+            </a:r>
+            <a:r>
+              <a:rPr lang="en-US" sz="2200" b="1" dirty="0" err="1">
+                <a:sym typeface="Wingdings" panose="05000000000000000000" pitchFamily="2" charset="2"/>
+              </a:rPr>
+              <a:t>high”,”medium</a:t>
+            </a:r>
+            <a:r>
+              <a:rPr lang="en-US" sz="2200" b="1" dirty="0">
+                <a:sym typeface="Wingdings" panose="05000000000000000000" pitchFamily="2" charset="2"/>
+              </a:rPr>
+              <a:t>”, “</a:t>
+            </a:r>
+            <a:r>
+              <a:rPr lang="en-US" sz="2200" b="1" dirty="0" err="1">
+                <a:sym typeface="Wingdings" panose="05000000000000000000" pitchFamily="2" charset="2"/>
+              </a:rPr>
+              <a:t>low”,”high</a:t>
+            </a:r>
+            <a:r>
+              <a:rPr lang="en-US" sz="2200" b="1" dirty="0">
+                <a:sym typeface="Wingdings" panose="05000000000000000000" pitchFamily="2" charset="2"/>
+              </a:rPr>
+              <a:t>” ,”low”)</a:t>
+            </a:r>
+          </a:p>
+          <a:p>
+            <a:pPr marL="0" indent="0">
+              <a:spcBef>
+                <a:spcPts val="0"/>
+              </a:spcBef>
+              <a:buSzPts val="3200"/>
+              <a:buNone/>
+            </a:pPr>
+            <a:r>
+              <a:rPr lang="en-US" sz="2200" b="1" dirty="0" err="1">
+                <a:sym typeface="Wingdings" panose="05000000000000000000" pitchFamily="2" charset="2"/>
+              </a:rPr>
+              <a:t>x_f</a:t>
+            </a:r>
+            <a:r>
+              <a:rPr lang="en-US" sz="2200" b="1" dirty="0">
+                <a:sym typeface="Wingdings" panose="05000000000000000000" pitchFamily="2" charset="2"/>
+              </a:rPr>
+              <a:t>  factor( x , levels = c(“</a:t>
+            </a:r>
+            <a:r>
+              <a:rPr lang="en-US" sz="2200" b="1" dirty="0" err="1">
+                <a:sym typeface="Wingdings" panose="05000000000000000000" pitchFamily="2" charset="2"/>
+              </a:rPr>
+              <a:t>low”,”medium</a:t>
+            </a:r>
+            <a:r>
+              <a:rPr lang="en-US" sz="2200" b="1" dirty="0">
+                <a:sym typeface="Wingdings" panose="05000000000000000000" pitchFamily="2" charset="2"/>
+              </a:rPr>
+              <a:t>”, “high”)</a:t>
+            </a:r>
+          </a:p>
+          <a:p>
+            <a:pPr marL="0" indent="0">
+              <a:spcBef>
+                <a:spcPts val="0"/>
+              </a:spcBef>
+              <a:buSzPts val="3200"/>
+              <a:buNone/>
+            </a:pPr>
+            <a:endParaRPr lang="en-US" sz="2200" dirty="0">
+              <a:sym typeface="Wingdings" panose="05000000000000000000" pitchFamily="2" charset="2"/>
+            </a:endParaRPr>
+          </a:p>
+          <a:p>
+            <a:pPr marL="342900">
+              <a:spcBef>
+                <a:spcPts val="0"/>
+              </a:spcBef>
+              <a:buSzPts val="3200"/>
+            </a:pPr>
+            <a:r>
+              <a:rPr lang="en-US" sz="2200" dirty="0">
+                <a:sym typeface="Wingdings" panose="05000000000000000000" pitchFamily="2" charset="2"/>
+              </a:rPr>
+              <a:t>levels() function to get the levels of the factor object.</a:t>
+            </a:r>
+          </a:p>
+          <a:p>
+            <a:pPr marL="342900">
+              <a:spcBef>
+                <a:spcPts val="0"/>
+              </a:spcBef>
+              <a:buSzPts val="3200"/>
+            </a:pPr>
+            <a:endParaRPr lang="en-US" sz="2200" dirty="0">
+              <a:sym typeface="Wingdings" panose="05000000000000000000" pitchFamily="2" charset="2"/>
+            </a:endParaRPr>
+          </a:p>
+          <a:p>
+            <a:pPr marL="0" indent="0">
+              <a:spcBef>
+                <a:spcPts val="0"/>
+              </a:spcBef>
+              <a:buSzPts val="3200"/>
+              <a:buNone/>
+            </a:pPr>
+            <a:r>
+              <a:rPr lang="en-US" sz="2200" dirty="0">
+                <a:sym typeface="Wingdings" panose="05000000000000000000" pitchFamily="2" charset="2"/>
+              </a:rPr>
+              <a:t>Example:</a:t>
+            </a:r>
+          </a:p>
+          <a:p>
+            <a:pPr marL="0" indent="0">
+              <a:spcBef>
+                <a:spcPts val="0"/>
+              </a:spcBef>
+              <a:buSzPts val="3200"/>
+              <a:buNone/>
+            </a:pPr>
+            <a:r>
+              <a:rPr lang="en-US" sz="2200" dirty="0">
+                <a:sym typeface="Wingdings" panose="05000000000000000000" pitchFamily="2" charset="2"/>
+              </a:rPr>
+              <a:t>	</a:t>
+            </a:r>
+            <a:r>
+              <a:rPr lang="en-US" sz="2200" b="1" dirty="0">
+                <a:sym typeface="Wingdings" panose="05000000000000000000" pitchFamily="2" charset="2"/>
+              </a:rPr>
+              <a:t>levels(</a:t>
+            </a:r>
+            <a:r>
+              <a:rPr lang="en-US" sz="2200" b="1" dirty="0" err="1">
+                <a:sym typeface="Wingdings" panose="05000000000000000000" pitchFamily="2" charset="2"/>
+              </a:rPr>
+              <a:t>x_f</a:t>
+            </a:r>
+            <a:r>
+              <a:rPr lang="en-US" sz="2200" b="1" dirty="0">
+                <a:sym typeface="Wingdings" panose="05000000000000000000" pitchFamily="2" charset="2"/>
+              </a:rPr>
+              <a:t>)</a:t>
+            </a:r>
+            <a:endParaRPr lang="en-US" sz="2200" b="1" dirty="0"/>
+          </a:p>
+        </p:txBody>
+      </p:sp>
+    </p:spTree>
+    <p:extLst>
+      <p:ext uri="{BB962C8B-B14F-4D97-AF65-F5344CB8AC3E}">
+        <p14:creationId xmlns:p14="http://schemas.microsoft.com/office/powerpoint/2010/main" val="3804771162"/>
       </p:ext>
     </p:extLst>
   </p:cSld>
@@ -38311,7 +40113,7 @@
             </a:pPr>
             <a:fld id="{8325990E-89A1-418C-BAD2-0015B9725131}" type="datetime1">
               <a:rPr lang="en-US" smtClean="0"/>
-              <a:t>7/14/2022</a:t>
+              <a:t>7/15/2022</a:t>
             </a:fld>
             <a:endParaRPr/>
           </a:p>
@@ -38600,6 +40402,835 @@
     <p:extLst>
       <p:ext uri="{BB962C8B-B14F-4D97-AF65-F5344CB8AC3E}">
         <p14:creationId xmlns:p14="http://schemas.microsoft.com/office/powerpoint/2010/main" val="114794549"/>
+      </p:ext>
+    </p:extLst>
+  </p:cSld>
+  <p:clrMapOvr>
+    <a:masterClrMapping/>
+  </p:clrMapOvr>
+</p:sld>
+</file>
+
+<file path=ppt/slides/slide50.xml><?xml version="1.0" encoding="utf-8"?>
+<p:sld xmlns:a="http://schemas.openxmlformats.org/drawingml/2006/main" xmlns:r="http://schemas.openxmlformats.org/officeDocument/2006/relationships" xmlns:p="http://schemas.openxmlformats.org/presentationml/2006/main">
+  <p:cSld>
+    <p:spTree>
+      <p:nvGrpSpPr>
+        <p:cNvPr id="1" name="Shape 104"/>
+        <p:cNvGrpSpPr/>
+        <p:nvPr/>
+      </p:nvGrpSpPr>
+      <p:grpSpPr>
+        <a:xfrm>
+          <a:off x="0" y="0"/>
+          <a:ext cx="0" cy="0"/>
+          <a:chOff x="0" y="0"/>
+          <a:chExt cx="0" cy="0"/>
+        </a:xfrm>
+      </p:grpSpPr>
+      <p:sp>
+        <p:nvSpPr>
+          <p:cNvPr id="105" name="Google Shape;105;p15"/>
+          <p:cNvSpPr txBox="1">
+            <a:spLocks noGrp="1"/>
+          </p:cNvSpPr>
+          <p:nvPr>
+            <p:ph type="dt" idx="10"/>
+          </p:nvPr>
+        </p:nvSpPr>
+        <p:spPr>
+          <a:xfrm>
+            <a:off x="457200" y="6245225"/>
+            <a:ext cx="2133600" cy="476250"/>
+          </a:xfrm>
+          <a:prstGeom prst="rect">
+            <a:avLst/>
+          </a:prstGeom>
+          <a:noFill/>
+          <a:ln>
+            <a:noFill/>
+          </a:ln>
+        </p:spPr>
+        <p:txBody>
+          <a:bodyPr spcFirstLastPara="1" wrap="square" lIns="91425" tIns="45700" rIns="91425" bIns="45700" anchor="t" anchorCtr="0">
+            <a:noAutofit/>
+          </a:bodyPr>
+          <a:lstStyle/>
+          <a:p>
+            <a:pPr marL="0" lvl="0" indent="0" algn="l" rtl="0">
+              <a:spcBef>
+                <a:spcPts val="0"/>
+              </a:spcBef>
+              <a:spcAft>
+                <a:spcPts val="0"/>
+              </a:spcAft>
+              <a:buNone/>
+            </a:pPr>
+            <a:fld id="{8325990E-89A1-418C-BAD2-0015B9725131}" type="datetime1">
+              <a:rPr lang="en-US" smtClean="0"/>
+              <a:t>7/15/2022</a:t>
+            </a:fld>
+            <a:endParaRPr/>
+          </a:p>
+        </p:txBody>
+      </p:sp>
+      <p:sp>
+        <p:nvSpPr>
+          <p:cNvPr id="106" name="Google Shape;106;p15"/>
+          <p:cNvSpPr txBox="1">
+            <a:spLocks noGrp="1"/>
+          </p:cNvSpPr>
+          <p:nvPr>
+            <p:ph type="ftr" idx="11"/>
+          </p:nvPr>
+        </p:nvSpPr>
+        <p:spPr>
+          <a:xfrm>
+            <a:off x="3124200" y="6245225"/>
+            <a:ext cx="2895600" cy="476250"/>
+          </a:xfrm>
+          <a:prstGeom prst="rect">
+            <a:avLst/>
+          </a:prstGeom>
+          <a:noFill/>
+          <a:ln>
+            <a:noFill/>
+          </a:ln>
+        </p:spPr>
+        <p:txBody>
+          <a:bodyPr spcFirstLastPara="1" wrap="square" lIns="91425" tIns="45700" rIns="91425" bIns="45700" anchor="t" anchorCtr="0">
+            <a:noAutofit/>
+          </a:bodyPr>
+          <a:lstStyle/>
+          <a:p>
+            <a:pPr marL="0" lvl="0" indent="0" algn="ctr" rtl="0">
+              <a:spcBef>
+                <a:spcPts val="0"/>
+              </a:spcBef>
+              <a:spcAft>
+                <a:spcPts val="0"/>
+              </a:spcAft>
+              <a:buNone/>
+            </a:pPr>
+            <a:r>
+              <a:rPr lang="en-US"/>
+              <a:t>Ankit Velani, MBA-SIT,Tumkur</a:t>
+            </a:r>
+            <a:endParaRPr/>
+          </a:p>
+        </p:txBody>
+      </p:sp>
+      <p:sp>
+        <p:nvSpPr>
+          <p:cNvPr id="107" name="Google Shape;107;p15"/>
+          <p:cNvSpPr txBox="1">
+            <a:spLocks noGrp="1"/>
+          </p:cNvSpPr>
+          <p:nvPr>
+            <p:ph type="sldNum" idx="12"/>
+          </p:nvPr>
+        </p:nvSpPr>
+        <p:spPr>
+          <a:xfrm>
+            <a:off x="6553200" y="6245225"/>
+            <a:ext cx="2133600" cy="476250"/>
+          </a:xfrm>
+          <a:prstGeom prst="rect">
+            <a:avLst/>
+          </a:prstGeom>
+          <a:noFill/>
+          <a:ln>
+            <a:noFill/>
+          </a:ln>
+        </p:spPr>
+        <p:txBody>
+          <a:bodyPr spcFirstLastPara="1" wrap="square" lIns="91425" tIns="45700" rIns="91425" bIns="45700" anchor="t" anchorCtr="0">
+            <a:noAutofit/>
+          </a:bodyPr>
+          <a:lstStyle/>
+          <a:p>
+            <a:pPr marL="0" lvl="0" indent="0" algn="r" rtl="0">
+              <a:spcBef>
+                <a:spcPts val="0"/>
+              </a:spcBef>
+              <a:spcAft>
+                <a:spcPts val="0"/>
+              </a:spcAft>
+              <a:buNone/>
+            </a:pPr>
+            <a:fld id="{00000000-1234-1234-1234-123412341234}" type="slidenum">
+              <a:rPr lang="en-US"/>
+              <a:t>50</a:t>
+            </a:fld>
+            <a:endParaRPr dirty="0"/>
+          </a:p>
+        </p:txBody>
+      </p:sp>
+      <p:sp>
+        <p:nvSpPr>
+          <p:cNvPr id="108" name="Google Shape;108;p15"/>
+          <p:cNvSpPr txBox="1">
+            <a:spLocks noGrp="1"/>
+          </p:cNvSpPr>
+          <p:nvPr>
+            <p:ph type="title"/>
+          </p:nvPr>
+        </p:nvSpPr>
+        <p:spPr>
+          <a:xfrm>
+            <a:off x="457200" y="240771"/>
+            <a:ext cx="8229600" cy="1143000"/>
+          </a:xfrm>
+          <a:prstGeom prst="rect">
+            <a:avLst/>
+          </a:prstGeom>
+          <a:noFill/>
+          <a:ln>
+            <a:noFill/>
+          </a:ln>
+        </p:spPr>
+        <p:txBody>
+          <a:bodyPr spcFirstLastPara="1" wrap="square" lIns="91425" tIns="45700" rIns="91425" bIns="45700" anchor="ctr" anchorCtr="0">
+            <a:noAutofit/>
+          </a:bodyPr>
+          <a:lstStyle/>
+          <a:p>
+            <a:pPr algn="l"/>
+            <a:r>
+              <a:rPr lang="en-US" dirty="0"/>
+              <a:t>Categorical data - Factors</a:t>
+            </a:r>
+          </a:p>
+        </p:txBody>
+      </p:sp>
+      <p:sp>
+        <p:nvSpPr>
+          <p:cNvPr id="109" name="Google Shape;109;p15"/>
+          <p:cNvSpPr txBox="1">
+            <a:spLocks noGrp="1"/>
+          </p:cNvSpPr>
+          <p:nvPr>
+            <p:ph type="body" idx="1"/>
+          </p:nvPr>
+        </p:nvSpPr>
+        <p:spPr>
+          <a:xfrm>
+            <a:off x="208723" y="1198980"/>
+            <a:ext cx="8478077" cy="4525963"/>
+          </a:xfrm>
+          <a:prstGeom prst="rect">
+            <a:avLst/>
+          </a:prstGeom>
+          <a:noFill/>
+          <a:ln>
+            <a:noFill/>
+          </a:ln>
+        </p:spPr>
+        <p:txBody>
+          <a:bodyPr spcFirstLastPara="1" wrap="square" lIns="91425" tIns="45700" rIns="91425" bIns="45700" anchor="t" anchorCtr="0">
+            <a:noAutofit/>
+          </a:bodyPr>
+          <a:lstStyle/>
+          <a:p>
+            <a:pPr marL="342900">
+              <a:spcBef>
+                <a:spcPts val="0"/>
+              </a:spcBef>
+              <a:buSzPts val="3200"/>
+            </a:pPr>
+            <a:r>
+              <a:rPr lang="en-US" sz="2200" dirty="0"/>
+              <a:t>Accessing Elements</a:t>
+            </a:r>
+          </a:p>
+          <a:p>
+            <a:pPr marL="0" indent="0">
+              <a:spcBef>
+                <a:spcPts val="0"/>
+              </a:spcBef>
+              <a:buSzPts val="3200"/>
+              <a:buNone/>
+            </a:pPr>
+            <a:r>
+              <a:rPr lang="en-US" sz="2200" dirty="0"/>
+              <a:t>Accessing elements of factor is same way of accessing any vectors. </a:t>
+            </a:r>
+          </a:p>
+          <a:p>
+            <a:pPr marL="0" indent="0">
+              <a:spcBef>
+                <a:spcPts val="0"/>
+              </a:spcBef>
+              <a:buSzPts val="3200"/>
+              <a:buNone/>
+            </a:pPr>
+            <a:endParaRPr lang="en-US" sz="2200" dirty="0"/>
+          </a:p>
+          <a:p>
+            <a:pPr marL="0" indent="0">
+              <a:spcBef>
+                <a:spcPts val="0"/>
+              </a:spcBef>
+              <a:buSzPts val="3200"/>
+              <a:buNone/>
+            </a:pPr>
+            <a:r>
+              <a:rPr lang="en-US" sz="2200" b="1" dirty="0" err="1"/>
+              <a:t>factor_obj</a:t>
+            </a:r>
+            <a:r>
+              <a:rPr lang="en-US" sz="2200" b="1" dirty="0"/>
+              <a:t> [index-range]</a:t>
+            </a:r>
+          </a:p>
+          <a:p>
+            <a:pPr marL="0" indent="0">
+              <a:spcBef>
+                <a:spcPts val="0"/>
+              </a:spcBef>
+              <a:buSzPts val="3200"/>
+              <a:buNone/>
+            </a:pPr>
+            <a:endParaRPr lang="en-US" sz="2200" b="1" dirty="0"/>
+          </a:p>
+          <a:p>
+            <a:pPr marL="0" indent="0">
+              <a:spcBef>
+                <a:spcPts val="0"/>
+              </a:spcBef>
+              <a:buSzPts val="3200"/>
+              <a:buNone/>
+            </a:pPr>
+            <a:r>
+              <a:rPr lang="en-US" sz="2200" b="1" dirty="0" err="1"/>
+              <a:t>gender_f</a:t>
+            </a:r>
+            <a:r>
+              <a:rPr lang="en-US" sz="2200" b="1" dirty="0"/>
+              <a:t>[1]</a:t>
+            </a:r>
+          </a:p>
+          <a:p>
+            <a:pPr marL="0" indent="0">
+              <a:spcBef>
+                <a:spcPts val="0"/>
+              </a:spcBef>
+              <a:buSzPts val="3200"/>
+              <a:buNone/>
+            </a:pPr>
+            <a:endParaRPr lang="en-US" sz="2200" b="1" dirty="0"/>
+          </a:p>
+          <a:p>
+            <a:pPr marL="0" indent="0">
+              <a:spcBef>
+                <a:spcPts val="0"/>
+              </a:spcBef>
+              <a:buSzPts val="3200"/>
+              <a:buNone/>
+            </a:pPr>
+            <a:r>
+              <a:rPr lang="en-US" sz="2200" b="1" dirty="0" err="1"/>
+              <a:t>gender_f</a:t>
+            </a:r>
+            <a:r>
+              <a:rPr lang="en-US" sz="2200" b="1" dirty="0"/>
+              <a:t>[2:4]</a:t>
+            </a:r>
+          </a:p>
+          <a:p>
+            <a:pPr marL="0" indent="0">
+              <a:spcBef>
+                <a:spcPts val="0"/>
+              </a:spcBef>
+              <a:buSzPts val="3200"/>
+              <a:buNone/>
+            </a:pPr>
+            <a:endParaRPr lang="en-US" sz="2200" b="1" dirty="0"/>
+          </a:p>
+          <a:p>
+            <a:pPr marL="0" indent="0">
+              <a:spcBef>
+                <a:spcPts val="0"/>
+              </a:spcBef>
+              <a:buSzPts val="3200"/>
+              <a:buNone/>
+            </a:pPr>
+            <a:r>
+              <a:rPr lang="en-US" sz="2200" b="1" dirty="0" err="1"/>
+              <a:t>gender_f</a:t>
+            </a:r>
+            <a:r>
+              <a:rPr lang="en-US" sz="2200" b="1" dirty="0"/>
+              <a:t>[2]</a:t>
+            </a:r>
+          </a:p>
+          <a:p>
+            <a:pPr marL="0" indent="0">
+              <a:spcBef>
+                <a:spcPts val="0"/>
+              </a:spcBef>
+              <a:buSzPts val="3200"/>
+              <a:buNone/>
+            </a:pPr>
+            <a:endParaRPr lang="en-US" sz="2200" b="1" dirty="0"/>
+          </a:p>
+        </p:txBody>
+      </p:sp>
+    </p:spTree>
+    <p:extLst>
+      <p:ext uri="{BB962C8B-B14F-4D97-AF65-F5344CB8AC3E}">
+        <p14:creationId xmlns:p14="http://schemas.microsoft.com/office/powerpoint/2010/main" val="882034974"/>
+      </p:ext>
+    </p:extLst>
+  </p:cSld>
+  <p:clrMapOvr>
+    <a:masterClrMapping/>
+  </p:clrMapOvr>
+</p:sld>
+</file>
+
+<file path=ppt/slides/slide51.xml><?xml version="1.0" encoding="utf-8"?>
+<p:sld xmlns:a="http://schemas.openxmlformats.org/drawingml/2006/main" xmlns:r="http://schemas.openxmlformats.org/officeDocument/2006/relationships" xmlns:p="http://schemas.openxmlformats.org/presentationml/2006/main">
+  <p:cSld>
+    <p:spTree>
+      <p:nvGrpSpPr>
+        <p:cNvPr id="1" name="Shape 104"/>
+        <p:cNvGrpSpPr/>
+        <p:nvPr/>
+      </p:nvGrpSpPr>
+      <p:grpSpPr>
+        <a:xfrm>
+          <a:off x="0" y="0"/>
+          <a:ext cx="0" cy="0"/>
+          <a:chOff x="0" y="0"/>
+          <a:chExt cx="0" cy="0"/>
+        </a:xfrm>
+      </p:grpSpPr>
+      <p:sp>
+        <p:nvSpPr>
+          <p:cNvPr id="105" name="Google Shape;105;p15"/>
+          <p:cNvSpPr txBox="1">
+            <a:spLocks noGrp="1"/>
+          </p:cNvSpPr>
+          <p:nvPr>
+            <p:ph type="dt" idx="10"/>
+          </p:nvPr>
+        </p:nvSpPr>
+        <p:spPr>
+          <a:xfrm>
+            <a:off x="457200" y="6245225"/>
+            <a:ext cx="2133600" cy="476250"/>
+          </a:xfrm>
+          <a:prstGeom prst="rect">
+            <a:avLst/>
+          </a:prstGeom>
+          <a:noFill/>
+          <a:ln>
+            <a:noFill/>
+          </a:ln>
+        </p:spPr>
+        <p:txBody>
+          <a:bodyPr spcFirstLastPara="1" wrap="square" lIns="91425" tIns="45700" rIns="91425" bIns="45700" anchor="t" anchorCtr="0">
+            <a:noAutofit/>
+          </a:bodyPr>
+          <a:lstStyle/>
+          <a:p>
+            <a:pPr marL="0" lvl="0" indent="0" algn="l" rtl="0">
+              <a:spcBef>
+                <a:spcPts val="0"/>
+              </a:spcBef>
+              <a:spcAft>
+                <a:spcPts val="0"/>
+              </a:spcAft>
+              <a:buNone/>
+            </a:pPr>
+            <a:fld id="{8325990E-89A1-418C-BAD2-0015B9725131}" type="datetime1">
+              <a:rPr lang="en-US" smtClean="0"/>
+              <a:t>7/15/2022</a:t>
+            </a:fld>
+            <a:endParaRPr/>
+          </a:p>
+        </p:txBody>
+      </p:sp>
+      <p:sp>
+        <p:nvSpPr>
+          <p:cNvPr id="106" name="Google Shape;106;p15"/>
+          <p:cNvSpPr txBox="1">
+            <a:spLocks noGrp="1"/>
+          </p:cNvSpPr>
+          <p:nvPr>
+            <p:ph type="ftr" idx="11"/>
+          </p:nvPr>
+        </p:nvSpPr>
+        <p:spPr>
+          <a:xfrm>
+            <a:off x="3124200" y="6245225"/>
+            <a:ext cx="2895600" cy="476250"/>
+          </a:xfrm>
+          <a:prstGeom prst="rect">
+            <a:avLst/>
+          </a:prstGeom>
+          <a:noFill/>
+          <a:ln>
+            <a:noFill/>
+          </a:ln>
+        </p:spPr>
+        <p:txBody>
+          <a:bodyPr spcFirstLastPara="1" wrap="square" lIns="91425" tIns="45700" rIns="91425" bIns="45700" anchor="t" anchorCtr="0">
+            <a:noAutofit/>
+          </a:bodyPr>
+          <a:lstStyle/>
+          <a:p>
+            <a:pPr marL="0" lvl="0" indent="0" algn="ctr" rtl="0">
+              <a:spcBef>
+                <a:spcPts val="0"/>
+              </a:spcBef>
+              <a:spcAft>
+                <a:spcPts val="0"/>
+              </a:spcAft>
+              <a:buNone/>
+            </a:pPr>
+            <a:r>
+              <a:rPr lang="en-US"/>
+              <a:t>Ankit Velani, MBA-SIT,Tumkur</a:t>
+            </a:r>
+            <a:endParaRPr/>
+          </a:p>
+        </p:txBody>
+      </p:sp>
+      <p:sp>
+        <p:nvSpPr>
+          <p:cNvPr id="107" name="Google Shape;107;p15"/>
+          <p:cNvSpPr txBox="1">
+            <a:spLocks noGrp="1"/>
+          </p:cNvSpPr>
+          <p:nvPr>
+            <p:ph type="sldNum" idx="12"/>
+          </p:nvPr>
+        </p:nvSpPr>
+        <p:spPr>
+          <a:xfrm>
+            <a:off x="6553200" y="6245225"/>
+            <a:ext cx="2133600" cy="476250"/>
+          </a:xfrm>
+          <a:prstGeom prst="rect">
+            <a:avLst/>
+          </a:prstGeom>
+          <a:noFill/>
+          <a:ln>
+            <a:noFill/>
+          </a:ln>
+        </p:spPr>
+        <p:txBody>
+          <a:bodyPr spcFirstLastPara="1" wrap="square" lIns="91425" tIns="45700" rIns="91425" bIns="45700" anchor="t" anchorCtr="0">
+            <a:noAutofit/>
+          </a:bodyPr>
+          <a:lstStyle/>
+          <a:p>
+            <a:pPr marL="0" lvl="0" indent="0" algn="r" rtl="0">
+              <a:spcBef>
+                <a:spcPts val="0"/>
+              </a:spcBef>
+              <a:spcAft>
+                <a:spcPts val="0"/>
+              </a:spcAft>
+              <a:buNone/>
+            </a:pPr>
+            <a:fld id="{00000000-1234-1234-1234-123412341234}" type="slidenum">
+              <a:rPr lang="en-US"/>
+              <a:t>51</a:t>
+            </a:fld>
+            <a:endParaRPr dirty="0"/>
+          </a:p>
+        </p:txBody>
+      </p:sp>
+      <p:sp>
+        <p:nvSpPr>
+          <p:cNvPr id="108" name="Google Shape;108;p15"/>
+          <p:cNvSpPr txBox="1">
+            <a:spLocks noGrp="1"/>
+          </p:cNvSpPr>
+          <p:nvPr>
+            <p:ph type="title"/>
+          </p:nvPr>
+        </p:nvSpPr>
+        <p:spPr>
+          <a:xfrm>
+            <a:off x="457200" y="240771"/>
+            <a:ext cx="8229600" cy="1143000"/>
+          </a:xfrm>
+          <a:prstGeom prst="rect">
+            <a:avLst/>
+          </a:prstGeom>
+          <a:noFill/>
+          <a:ln>
+            <a:noFill/>
+          </a:ln>
+        </p:spPr>
+        <p:txBody>
+          <a:bodyPr spcFirstLastPara="1" wrap="square" lIns="91425" tIns="45700" rIns="91425" bIns="45700" anchor="ctr" anchorCtr="0">
+            <a:noAutofit/>
+          </a:bodyPr>
+          <a:lstStyle/>
+          <a:p>
+            <a:pPr algn="l"/>
+            <a:r>
+              <a:rPr lang="en-US" dirty="0"/>
+              <a:t>Categorical data - Factors</a:t>
+            </a:r>
+          </a:p>
+        </p:txBody>
+      </p:sp>
+      <p:sp>
+        <p:nvSpPr>
+          <p:cNvPr id="109" name="Google Shape;109;p15"/>
+          <p:cNvSpPr txBox="1">
+            <a:spLocks noGrp="1"/>
+          </p:cNvSpPr>
+          <p:nvPr>
+            <p:ph type="body" idx="1"/>
+          </p:nvPr>
+        </p:nvSpPr>
+        <p:spPr>
+          <a:xfrm>
+            <a:off x="208723" y="1198980"/>
+            <a:ext cx="8478077" cy="4525963"/>
+          </a:xfrm>
+          <a:prstGeom prst="rect">
+            <a:avLst/>
+          </a:prstGeom>
+          <a:noFill/>
+          <a:ln>
+            <a:noFill/>
+          </a:ln>
+        </p:spPr>
+        <p:txBody>
+          <a:bodyPr spcFirstLastPara="1" wrap="square" lIns="91425" tIns="45700" rIns="91425" bIns="45700" anchor="t" anchorCtr="0">
+            <a:noAutofit/>
+          </a:bodyPr>
+          <a:lstStyle/>
+          <a:p>
+            <a:pPr marL="342900">
+              <a:spcBef>
+                <a:spcPts val="0"/>
+              </a:spcBef>
+              <a:buSzPts val="3200"/>
+            </a:pPr>
+            <a:r>
+              <a:rPr lang="en-US" sz="2200" dirty="0"/>
+              <a:t>Modification of Factors</a:t>
+            </a:r>
+          </a:p>
+          <a:p>
+            <a:pPr marL="0" indent="0">
+              <a:spcBef>
+                <a:spcPts val="0"/>
+              </a:spcBef>
+              <a:buSzPts val="3200"/>
+              <a:buNone/>
+            </a:pPr>
+            <a:r>
+              <a:rPr lang="en-US" sz="2200" dirty="0"/>
+              <a:t>After a factor formed, its components/level can be modified but the new values to be assigned and must be added in predefined level first.</a:t>
+            </a:r>
+            <a:endParaRPr lang="en-US" sz="2200" b="1" dirty="0"/>
+          </a:p>
+          <a:p>
+            <a:pPr marL="0" indent="0">
+              <a:spcBef>
+                <a:spcPts val="0"/>
+              </a:spcBef>
+              <a:buSzPts val="3200"/>
+              <a:buNone/>
+            </a:pPr>
+            <a:r>
+              <a:rPr lang="en-US" sz="2200" b="1" dirty="0"/>
+              <a:t>gender </a:t>
+            </a:r>
+            <a:r>
+              <a:rPr lang="en-US" sz="2200" b="1" dirty="0">
+                <a:sym typeface="Wingdings" panose="05000000000000000000" pitchFamily="2" charset="2"/>
+              </a:rPr>
+              <a:t></a:t>
+            </a:r>
+            <a:r>
+              <a:rPr lang="en-US" sz="2200" b="1" dirty="0"/>
+              <a:t> c(“Male”, “Female”, “Male”, “Male”)</a:t>
+            </a:r>
+          </a:p>
+          <a:p>
+            <a:pPr marL="0" indent="0">
+              <a:spcBef>
+                <a:spcPts val="0"/>
+              </a:spcBef>
+              <a:buSzPts val="3200"/>
+              <a:buNone/>
+            </a:pPr>
+            <a:r>
+              <a:rPr lang="en-US" sz="2200" b="1" dirty="0" err="1"/>
+              <a:t>gender_f</a:t>
+            </a:r>
+            <a:r>
+              <a:rPr lang="en-US" sz="2200" b="1" dirty="0"/>
+              <a:t> </a:t>
+            </a:r>
+            <a:r>
+              <a:rPr lang="en-US" sz="2200" b="1" dirty="0">
+                <a:sym typeface="Wingdings" panose="05000000000000000000" pitchFamily="2" charset="2"/>
+              </a:rPr>
+              <a:t> factor(gender)</a:t>
+            </a:r>
+          </a:p>
+          <a:p>
+            <a:pPr marL="0" indent="0">
+              <a:spcBef>
+                <a:spcPts val="0"/>
+              </a:spcBef>
+              <a:buSzPts val="3200"/>
+              <a:buNone/>
+            </a:pPr>
+            <a:endParaRPr lang="en-US" sz="2200" b="1" dirty="0"/>
+          </a:p>
+          <a:p>
+            <a:pPr marL="0" indent="0">
+              <a:spcBef>
+                <a:spcPts val="0"/>
+              </a:spcBef>
+              <a:buSzPts val="3200"/>
+              <a:buNone/>
+            </a:pPr>
+            <a:r>
+              <a:rPr lang="en-US" sz="2200" b="1" dirty="0" err="1"/>
+              <a:t>gender_f</a:t>
+            </a:r>
+            <a:r>
+              <a:rPr lang="en-US" sz="2200" b="1" dirty="0"/>
+              <a:t>[3]</a:t>
+            </a:r>
+          </a:p>
+          <a:p>
+            <a:pPr marL="0" indent="0">
+              <a:spcBef>
+                <a:spcPts val="0"/>
+              </a:spcBef>
+              <a:buSzPts val="3200"/>
+              <a:buNone/>
+            </a:pPr>
+            <a:endParaRPr lang="en-US" sz="2200" b="1" dirty="0"/>
+          </a:p>
+          <a:p>
+            <a:pPr marL="0" indent="0">
+              <a:spcBef>
+                <a:spcPts val="0"/>
+              </a:spcBef>
+              <a:buSzPts val="3200"/>
+              <a:buNone/>
+            </a:pPr>
+            <a:r>
+              <a:rPr lang="en-US" sz="2200" b="1" dirty="0"/>
+              <a:t># add the level first</a:t>
+            </a:r>
+          </a:p>
+          <a:p>
+            <a:pPr marL="0" indent="0">
+              <a:spcBef>
+                <a:spcPts val="0"/>
+              </a:spcBef>
+              <a:buSzPts val="3200"/>
+              <a:buNone/>
+            </a:pPr>
+            <a:r>
+              <a:rPr lang="en-US" sz="2200" b="1" dirty="0"/>
+              <a:t>levels(</a:t>
+            </a:r>
+            <a:r>
+              <a:rPr lang="en-US" sz="2200" b="1" dirty="0" err="1"/>
+              <a:t>gender_f</a:t>
+            </a:r>
+            <a:r>
+              <a:rPr lang="en-US" sz="2200" b="1" dirty="0"/>
+              <a:t>) </a:t>
+            </a:r>
+            <a:r>
+              <a:rPr lang="en-US" sz="2200" b="1" dirty="0">
+                <a:sym typeface="Wingdings" panose="05000000000000000000" pitchFamily="2" charset="2"/>
+              </a:rPr>
+              <a:t> c(“Male”, “</a:t>
+            </a:r>
+            <a:r>
+              <a:rPr lang="en-US" sz="2200" b="1" dirty="0" err="1">
+                <a:sym typeface="Wingdings" panose="05000000000000000000" pitchFamily="2" charset="2"/>
+              </a:rPr>
+              <a:t>Female”,”Transgender</a:t>
+            </a:r>
+            <a:r>
+              <a:rPr lang="en-US" sz="2200" b="1" dirty="0">
+                <a:sym typeface="Wingdings" panose="05000000000000000000" pitchFamily="2" charset="2"/>
+              </a:rPr>
+              <a:t>”)</a:t>
+            </a:r>
+          </a:p>
+          <a:p>
+            <a:pPr marL="0" indent="0">
+              <a:spcBef>
+                <a:spcPts val="0"/>
+              </a:spcBef>
+              <a:buSzPts val="3200"/>
+              <a:buNone/>
+            </a:pPr>
+            <a:r>
+              <a:rPr lang="en-US" sz="2200" b="1" dirty="0" err="1">
+                <a:sym typeface="Wingdings" panose="05000000000000000000" pitchFamily="2" charset="2"/>
+              </a:rPr>
+              <a:t>gender_f</a:t>
+            </a:r>
+            <a:r>
+              <a:rPr lang="en-US" sz="2200" b="1" dirty="0">
+                <a:sym typeface="Wingdings" panose="05000000000000000000" pitchFamily="2" charset="2"/>
+              </a:rPr>
+              <a:t>[3]  “Transgender”</a:t>
+            </a:r>
+          </a:p>
+          <a:p>
+            <a:pPr marL="0" indent="0">
+              <a:spcBef>
+                <a:spcPts val="0"/>
+              </a:spcBef>
+              <a:buSzPts val="3200"/>
+              <a:buNone/>
+            </a:pPr>
+            <a:endParaRPr lang="en-US" sz="2200" b="1" dirty="0">
+              <a:sym typeface="Wingdings" panose="05000000000000000000" pitchFamily="2" charset="2"/>
+            </a:endParaRPr>
+          </a:p>
+          <a:p>
+            <a:pPr marL="0" indent="0">
+              <a:spcBef>
+                <a:spcPts val="0"/>
+              </a:spcBef>
+              <a:buSzPts val="3200"/>
+              <a:buNone/>
+            </a:pPr>
+            <a:r>
+              <a:rPr lang="en-US" sz="2200" b="1" dirty="0">
+                <a:sym typeface="Wingdings" panose="05000000000000000000" pitchFamily="2" charset="2"/>
+              </a:rPr>
+              <a:t>print(</a:t>
+            </a:r>
+            <a:r>
+              <a:rPr lang="en-US" sz="2200" b="1">
+                <a:sym typeface="Wingdings" panose="05000000000000000000" pitchFamily="2" charset="2"/>
+              </a:rPr>
+              <a:t>gender_f)</a:t>
+            </a:r>
+            <a:endParaRPr lang="en-US" sz="2200" b="1" dirty="0"/>
+          </a:p>
+        </p:txBody>
+      </p:sp>
+    </p:spTree>
+    <p:extLst>
+      <p:ext uri="{BB962C8B-B14F-4D97-AF65-F5344CB8AC3E}">
+        <p14:creationId xmlns:p14="http://schemas.microsoft.com/office/powerpoint/2010/main" val="2257831915"/>
       </p:ext>
     </p:extLst>
   </p:cSld>
@@ -38677,7 +41308,7 @@
           <a:p>
             <a:fld id="{0C62BD34-D5E2-4C87-AA2A-F8D5808875C3}" type="datetime1">
               <a:rPr lang="en-US" smtClean="0"/>
-              <a:t>7/14/2022</a:t>
+              <a:t>7/15/2022</a:t>
             </a:fld>
             <a:endParaRPr lang="en-US"/>
           </a:p>
@@ -38866,7 +41497,7 @@
             </a:pPr>
             <a:fld id="{8325990E-89A1-418C-BAD2-0015B9725131}" type="datetime1">
               <a:rPr lang="en-US" smtClean="0"/>
-              <a:t>7/14/2022</a:t>
+              <a:t>7/15/2022</a:t>
             </a:fld>
             <a:endParaRPr/>
           </a:p>
@@ -39249,7 +41880,7 @@
             </a:pPr>
             <a:fld id="{8325990E-89A1-418C-BAD2-0015B9725131}" type="datetime1">
               <a:rPr lang="en-US" smtClean="0"/>
-              <a:t>7/14/2022</a:t>
+              <a:t>7/15/2022</a:t>
             </a:fld>
             <a:endParaRPr lang="en-US"/>
           </a:p>
@@ -39674,7 +42305,7 @@
             </a:pPr>
             <a:fld id="{8325990E-89A1-418C-BAD2-0015B9725131}" type="datetime1">
               <a:rPr lang="en-US" smtClean="0"/>
-              <a:t>7/14/2022</a:t>
+              <a:t>7/15/2022</a:t>
             </a:fld>
             <a:endParaRPr/>
           </a:p>
